--- a/mansuscript/figures/NOPP_figures.pptx
+++ b/mansuscript/figures/NOPP_figures.pptx
@@ -2,15 +2,16 @@
 <file path=ppt/presentation.xml><?xml version="1.0" encoding="utf-8"?>
 <p:presentation xmlns:a="http://schemas.openxmlformats.org/drawingml/2006/main" xmlns:r="http://schemas.openxmlformats.org/officeDocument/2006/relationships" xmlns:p="http://schemas.openxmlformats.org/presentationml/2006/main" saveSubsetFonts="1" autoCompressPictures="0">
   <p:sldMasterIdLst>
-    <p:sldMasterId id="2147483672" r:id="rId1"/>
+    <p:sldMasterId id="2147483696" r:id="rId1"/>
   </p:sldMasterIdLst>
   <p:notesMasterIdLst>
-    <p:notesMasterId r:id="rId3"/>
+    <p:notesMasterId r:id="rId4"/>
   </p:notesMasterIdLst>
   <p:sldIdLst>
     <p:sldId id="256" r:id="rId2"/>
+    <p:sldId id="257" r:id="rId3"/>
   </p:sldIdLst>
-  <p:sldSz cx="10972800" cy="7315200"/>
+  <p:sldSz cx="7315200" cy="3657600"/>
   <p:notesSz cx="6858000" cy="9144000"/>
   <p:defaultTextStyle>
     <a:defPPr>
@@ -197,7 +198,7 @@
           <a:p>
             <a:fld id="{BCCBFF50-6B78-4C1C-8CD8-61469675A69B}" type="datetimeFigureOut">
               <a:rPr lang="en-US" smtClean="0"/>
-              <a:t>3/17/2022</a:t>
+              <a:t>7/20/2022</a:t>
             </a:fld>
             <a:endParaRPr lang="en-US"/>
           </a:p>
@@ -215,8 +216,8 @@
         </p:nvSpPr>
         <p:spPr>
           <a:xfrm>
-            <a:off x="1114425" y="1143000"/>
-            <a:ext cx="4629150" cy="3086100"/>
+            <a:off x="342900" y="1143000"/>
+            <a:ext cx="6172200" cy="3086100"/>
           </a:xfrm>
           <a:prstGeom prst="rect">
             <a:avLst/>
@@ -370,8 +371,8 @@
   </p:cSld>
   <p:clrMap bg1="lt1" tx1="dk1" bg2="lt2" tx2="dk2" accent1="accent1" accent2="accent2" accent3="accent3" accent4="accent4" accent5="accent5" accent6="accent6" hlink="hlink" folHlink="folHlink"/>
   <p:notesStyle>
-    <a:lvl1pPr marL="0" algn="l" defTabSz="914400" rtl="0" eaLnBrk="1" latinLnBrk="0" hangingPunct="1">
-      <a:defRPr sz="1200" kern="1200">
+    <a:lvl1pPr marL="0" algn="l" defTabSz="548640" rtl="0" eaLnBrk="1" latinLnBrk="0" hangingPunct="1">
+      <a:defRPr sz="720" kern="1200">
         <a:solidFill>
           <a:schemeClr val="tx1"/>
         </a:solidFill>
@@ -380,8 +381,8 @@
         <a:cs typeface="+mn-cs"/>
       </a:defRPr>
     </a:lvl1pPr>
-    <a:lvl2pPr marL="457200" algn="l" defTabSz="914400" rtl="0" eaLnBrk="1" latinLnBrk="0" hangingPunct="1">
-      <a:defRPr sz="1200" kern="1200">
+    <a:lvl2pPr marL="274320" algn="l" defTabSz="548640" rtl="0" eaLnBrk="1" latinLnBrk="0" hangingPunct="1">
+      <a:defRPr sz="720" kern="1200">
         <a:solidFill>
           <a:schemeClr val="tx1"/>
         </a:solidFill>
@@ -390,8 +391,8 @@
         <a:cs typeface="+mn-cs"/>
       </a:defRPr>
     </a:lvl2pPr>
-    <a:lvl3pPr marL="914400" algn="l" defTabSz="914400" rtl="0" eaLnBrk="1" latinLnBrk="0" hangingPunct="1">
-      <a:defRPr sz="1200" kern="1200">
+    <a:lvl3pPr marL="548640" algn="l" defTabSz="548640" rtl="0" eaLnBrk="1" latinLnBrk="0" hangingPunct="1">
+      <a:defRPr sz="720" kern="1200">
         <a:solidFill>
           <a:schemeClr val="tx1"/>
         </a:solidFill>
@@ -400,8 +401,8 @@
         <a:cs typeface="+mn-cs"/>
       </a:defRPr>
     </a:lvl3pPr>
-    <a:lvl4pPr marL="1371600" algn="l" defTabSz="914400" rtl="0" eaLnBrk="1" latinLnBrk="0" hangingPunct="1">
-      <a:defRPr sz="1200" kern="1200">
+    <a:lvl4pPr marL="822960" algn="l" defTabSz="548640" rtl="0" eaLnBrk="1" latinLnBrk="0" hangingPunct="1">
+      <a:defRPr sz="720" kern="1200">
         <a:solidFill>
           <a:schemeClr val="tx1"/>
         </a:solidFill>
@@ -410,8 +411,8 @@
         <a:cs typeface="+mn-cs"/>
       </a:defRPr>
     </a:lvl4pPr>
-    <a:lvl5pPr marL="1828800" algn="l" defTabSz="914400" rtl="0" eaLnBrk="1" latinLnBrk="0" hangingPunct="1">
-      <a:defRPr sz="1200" kern="1200">
+    <a:lvl5pPr marL="1097280" algn="l" defTabSz="548640" rtl="0" eaLnBrk="1" latinLnBrk="0" hangingPunct="1">
+      <a:defRPr sz="720" kern="1200">
         <a:solidFill>
           <a:schemeClr val="tx1"/>
         </a:solidFill>
@@ -420,8 +421,8 @@
         <a:cs typeface="+mn-cs"/>
       </a:defRPr>
     </a:lvl5pPr>
-    <a:lvl6pPr marL="2286000" algn="l" defTabSz="914400" rtl="0" eaLnBrk="1" latinLnBrk="0" hangingPunct="1">
-      <a:defRPr sz="1200" kern="1200">
+    <a:lvl6pPr marL="1371600" algn="l" defTabSz="548640" rtl="0" eaLnBrk="1" latinLnBrk="0" hangingPunct="1">
+      <a:defRPr sz="720" kern="1200">
         <a:solidFill>
           <a:schemeClr val="tx1"/>
         </a:solidFill>
@@ -430,8 +431,8 @@
         <a:cs typeface="+mn-cs"/>
       </a:defRPr>
     </a:lvl6pPr>
-    <a:lvl7pPr marL="2743200" algn="l" defTabSz="914400" rtl="0" eaLnBrk="1" latinLnBrk="0" hangingPunct="1">
-      <a:defRPr sz="1200" kern="1200">
+    <a:lvl7pPr marL="1645920" algn="l" defTabSz="548640" rtl="0" eaLnBrk="1" latinLnBrk="0" hangingPunct="1">
+      <a:defRPr sz="720" kern="1200">
         <a:solidFill>
           <a:schemeClr val="tx1"/>
         </a:solidFill>
@@ -440,8 +441,8 @@
         <a:cs typeface="+mn-cs"/>
       </a:defRPr>
     </a:lvl7pPr>
-    <a:lvl8pPr marL="3200400" algn="l" defTabSz="914400" rtl="0" eaLnBrk="1" latinLnBrk="0" hangingPunct="1">
-      <a:defRPr sz="1200" kern="1200">
+    <a:lvl8pPr marL="1920240" algn="l" defTabSz="548640" rtl="0" eaLnBrk="1" latinLnBrk="0" hangingPunct="1">
+      <a:defRPr sz="720" kern="1200">
         <a:solidFill>
           <a:schemeClr val="tx1"/>
         </a:solidFill>
@@ -450,8 +451,8 @@
         <a:cs typeface="+mn-cs"/>
       </a:defRPr>
     </a:lvl8pPr>
-    <a:lvl9pPr marL="3657600" algn="l" defTabSz="914400" rtl="0" eaLnBrk="1" latinLnBrk="0" hangingPunct="1">
-      <a:defRPr sz="1200" kern="1200">
+    <a:lvl9pPr marL="2194560" algn="l" defTabSz="548640" rtl="0" eaLnBrk="1" latinLnBrk="0" hangingPunct="1">
+      <a:defRPr sz="720" kern="1200">
         <a:solidFill>
           <a:schemeClr val="tx1"/>
         </a:solidFill>
@@ -493,15 +494,15 @@
         </p:nvSpPr>
         <p:spPr>
           <a:xfrm>
-            <a:off x="822960" y="1197187"/>
-            <a:ext cx="9326880" cy="2546773"/>
+            <a:off x="914400" y="598593"/>
+            <a:ext cx="5486400" cy="1273387"/>
           </a:xfrm>
         </p:spPr>
         <p:txBody>
           <a:bodyPr anchor="b"/>
           <a:lstStyle>
             <a:lvl1pPr algn="ctr">
-              <a:defRPr sz="6400"/>
+              <a:defRPr sz="3200"/>
             </a:lvl1pPr>
           </a:lstStyle>
           <a:p>
@@ -525,8 +526,8 @@
         </p:nvSpPr>
         <p:spPr>
           <a:xfrm>
-            <a:off x="1371600" y="3842174"/>
-            <a:ext cx="8229600" cy="1766146"/>
+            <a:off x="914400" y="1921087"/>
+            <a:ext cx="5486400" cy="883073"/>
           </a:xfrm>
         </p:spPr>
         <p:txBody>
@@ -534,39 +535,39 @@
           <a:lstStyle>
             <a:lvl1pPr marL="0" indent="0" algn="ctr">
               <a:buNone/>
-              <a:defRPr sz="2560"/>
+              <a:defRPr sz="1280"/>
             </a:lvl1pPr>
-            <a:lvl2pPr marL="487695" indent="0" algn="ctr">
-              <a:buNone/>
-              <a:defRPr sz="2133"/>
+            <a:lvl2pPr marL="243825" indent="0" algn="ctr">
+              <a:buNone/>
+              <a:defRPr sz="1067"/>
             </a:lvl2pPr>
-            <a:lvl3pPr marL="975390" indent="0" algn="ctr">
-              <a:buNone/>
-              <a:defRPr sz="1920"/>
+            <a:lvl3pPr marL="487650" indent="0" algn="ctr">
+              <a:buNone/>
+              <a:defRPr sz="960"/>
             </a:lvl3pPr>
-            <a:lvl4pPr marL="1463086" indent="0" algn="ctr">
-              <a:buNone/>
-              <a:defRPr sz="1707"/>
+            <a:lvl4pPr marL="731474" indent="0" algn="ctr">
+              <a:buNone/>
+              <a:defRPr sz="853"/>
             </a:lvl4pPr>
-            <a:lvl5pPr marL="1950781" indent="0" algn="ctr">
-              <a:buNone/>
-              <a:defRPr sz="1707"/>
+            <a:lvl5pPr marL="975299" indent="0" algn="ctr">
+              <a:buNone/>
+              <a:defRPr sz="853"/>
             </a:lvl5pPr>
-            <a:lvl6pPr marL="2438476" indent="0" algn="ctr">
-              <a:buNone/>
-              <a:defRPr sz="1707"/>
+            <a:lvl6pPr marL="1219124" indent="0" algn="ctr">
+              <a:buNone/>
+              <a:defRPr sz="853"/>
             </a:lvl6pPr>
-            <a:lvl7pPr marL="2926171" indent="0" algn="ctr">
-              <a:buNone/>
-              <a:defRPr sz="1707"/>
+            <a:lvl7pPr marL="1462949" indent="0" algn="ctr">
+              <a:buNone/>
+              <a:defRPr sz="853"/>
             </a:lvl7pPr>
-            <a:lvl8pPr marL="3413867" indent="0" algn="ctr">
-              <a:buNone/>
-              <a:defRPr sz="1707"/>
+            <a:lvl8pPr marL="1706773" indent="0" algn="ctr">
+              <a:buNone/>
+              <a:defRPr sz="853"/>
             </a:lvl8pPr>
-            <a:lvl9pPr marL="3901562" indent="0" algn="ctr">
-              <a:buNone/>
-              <a:defRPr sz="1707"/>
+            <a:lvl9pPr marL="1950598" indent="0" algn="ctr">
+              <a:buNone/>
+              <a:defRPr sz="853"/>
             </a:lvl9pPr>
           </a:lstStyle>
           <a:p>
@@ -595,7 +596,7 @@
           <a:p>
             <a:fld id="{0E08981C-2139-450C-9A30-783FB7BA910A}" type="datetimeFigureOut">
               <a:rPr lang="en-US" smtClean="0"/>
-              <a:t>3/17/2022</a:t>
+              <a:t>7/20/2022</a:t>
             </a:fld>
             <a:endParaRPr lang="en-US"/>
           </a:p>
@@ -646,7 +647,7 @@
     </p:spTree>
     <p:extLst>
       <p:ext uri="{BB962C8B-B14F-4D97-AF65-F5344CB8AC3E}">
-        <p14:creationId xmlns:p14="http://schemas.microsoft.com/office/powerpoint/2010/main" val="829061106"/>
+        <p14:creationId xmlns:p14="http://schemas.microsoft.com/office/powerpoint/2010/main" val="2456198621"/>
       </p:ext>
     </p:extLst>
   </p:cSld>
@@ -765,7 +766,7 @@
           <a:p>
             <a:fld id="{0E08981C-2139-450C-9A30-783FB7BA910A}" type="datetimeFigureOut">
               <a:rPr lang="en-US" smtClean="0"/>
-              <a:t>3/17/2022</a:t>
+              <a:t>7/20/2022</a:t>
             </a:fld>
             <a:endParaRPr lang="en-US"/>
           </a:p>
@@ -816,7 +817,7 @@
     </p:spTree>
     <p:extLst>
       <p:ext uri="{BB962C8B-B14F-4D97-AF65-F5344CB8AC3E}">
-        <p14:creationId xmlns:p14="http://schemas.microsoft.com/office/powerpoint/2010/main" val="3906203758"/>
+        <p14:creationId xmlns:p14="http://schemas.microsoft.com/office/powerpoint/2010/main" val="2105108783"/>
       </p:ext>
     </p:extLst>
   </p:cSld>
@@ -855,8 +856,8 @@
         </p:nvSpPr>
         <p:spPr>
           <a:xfrm>
-            <a:off x="7852411" y="389467"/>
-            <a:ext cx="2366010" cy="6199294"/>
+            <a:off x="5234940" y="194733"/>
+            <a:ext cx="1577340" cy="3099647"/>
           </a:xfrm>
         </p:spPr>
         <p:txBody>
@@ -883,8 +884,8 @@
         </p:nvSpPr>
         <p:spPr>
           <a:xfrm>
-            <a:off x="754381" y="389467"/>
-            <a:ext cx="6960870" cy="6199294"/>
+            <a:off x="502920" y="194733"/>
+            <a:ext cx="4640580" cy="3099647"/>
           </a:xfrm>
         </p:spPr>
         <p:txBody>
@@ -945,7 +946,7 @@
           <a:p>
             <a:fld id="{0E08981C-2139-450C-9A30-783FB7BA910A}" type="datetimeFigureOut">
               <a:rPr lang="en-US" smtClean="0"/>
-              <a:t>3/17/2022</a:t>
+              <a:t>7/20/2022</a:t>
             </a:fld>
             <a:endParaRPr lang="en-US"/>
           </a:p>
@@ -996,7 +997,7 @@
     </p:spTree>
     <p:extLst>
       <p:ext uri="{BB962C8B-B14F-4D97-AF65-F5344CB8AC3E}">
-        <p14:creationId xmlns:p14="http://schemas.microsoft.com/office/powerpoint/2010/main" val="544459823"/>
+        <p14:creationId xmlns:p14="http://schemas.microsoft.com/office/powerpoint/2010/main" val="2583640984"/>
       </p:ext>
     </p:extLst>
   </p:cSld>
@@ -1115,7 +1116,7 @@
           <a:p>
             <a:fld id="{0E08981C-2139-450C-9A30-783FB7BA910A}" type="datetimeFigureOut">
               <a:rPr lang="en-US" smtClean="0"/>
-              <a:t>3/17/2022</a:t>
+              <a:t>7/20/2022</a:t>
             </a:fld>
             <a:endParaRPr lang="en-US"/>
           </a:p>
@@ -1166,7 +1167,7 @@
     </p:spTree>
     <p:extLst>
       <p:ext uri="{BB962C8B-B14F-4D97-AF65-F5344CB8AC3E}">
-        <p14:creationId xmlns:p14="http://schemas.microsoft.com/office/powerpoint/2010/main" val="1014930460"/>
+        <p14:creationId xmlns:p14="http://schemas.microsoft.com/office/powerpoint/2010/main" val="1330080027"/>
       </p:ext>
     </p:extLst>
   </p:cSld>
@@ -1205,15 +1206,15 @@
         </p:nvSpPr>
         <p:spPr>
           <a:xfrm>
-            <a:off x="748666" y="1823722"/>
-            <a:ext cx="9464040" cy="3042919"/>
+            <a:off x="499110" y="911860"/>
+            <a:ext cx="6309360" cy="1521460"/>
           </a:xfrm>
         </p:spPr>
         <p:txBody>
           <a:bodyPr anchor="b"/>
           <a:lstStyle>
             <a:lvl1pPr>
-              <a:defRPr sz="6400"/>
+              <a:defRPr sz="3200"/>
             </a:lvl1pPr>
           </a:lstStyle>
           <a:p>
@@ -1237,8 +1238,8 @@
         </p:nvSpPr>
         <p:spPr>
           <a:xfrm>
-            <a:off x="748666" y="4895429"/>
-            <a:ext cx="9464040" cy="1600199"/>
+            <a:off x="499110" y="2447714"/>
+            <a:ext cx="6309360" cy="800100"/>
           </a:xfrm>
         </p:spPr>
         <p:txBody>
@@ -1246,15 +1247,17 @@
           <a:lstStyle>
             <a:lvl1pPr marL="0" indent="0">
               <a:buNone/>
-              <a:defRPr sz="2560">
+              <a:defRPr sz="1280">
                 <a:solidFill>
-                  <a:schemeClr val="tx1"/>
+                  <a:schemeClr val="tx1">
+                    <a:tint val="75000"/>
+                  </a:schemeClr>
                 </a:solidFill>
               </a:defRPr>
             </a:lvl1pPr>
-            <a:lvl2pPr marL="487695" indent="0">
-              <a:buNone/>
-              <a:defRPr sz="2133">
+            <a:lvl2pPr marL="243825" indent="0">
+              <a:buNone/>
+              <a:defRPr sz="1067">
                 <a:solidFill>
                   <a:schemeClr val="tx1">
                     <a:tint val="75000"/>
@@ -1262,9 +1265,9 @@
                 </a:solidFill>
               </a:defRPr>
             </a:lvl2pPr>
-            <a:lvl3pPr marL="975390" indent="0">
-              <a:buNone/>
-              <a:defRPr sz="1920">
+            <a:lvl3pPr marL="487650" indent="0">
+              <a:buNone/>
+              <a:defRPr sz="960">
                 <a:solidFill>
                   <a:schemeClr val="tx1">
                     <a:tint val="75000"/>
@@ -1272,9 +1275,9 @@
                 </a:solidFill>
               </a:defRPr>
             </a:lvl3pPr>
-            <a:lvl4pPr marL="1463086" indent="0">
-              <a:buNone/>
-              <a:defRPr sz="1707">
+            <a:lvl4pPr marL="731474" indent="0">
+              <a:buNone/>
+              <a:defRPr sz="853">
                 <a:solidFill>
                   <a:schemeClr val="tx1">
                     <a:tint val="75000"/>
@@ -1282,9 +1285,9 @@
                 </a:solidFill>
               </a:defRPr>
             </a:lvl4pPr>
-            <a:lvl5pPr marL="1950781" indent="0">
-              <a:buNone/>
-              <a:defRPr sz="1707">
+            <a:lvl5pPr marL="975299" indent="0">
+              <a:buNone/>
+              <a:defRPr sz="853">
                 <a:solidFill>
                   <a:schemeClr val="tx1">
                     <a:tint val="75000"/>
@@ -1292,9 +1295,9 @@
                 </a:solidFill>
               </a:defRPr>
             </a:lvl5pPr>
-            <a:lvl6pPr marL="2438476" indent="0">
-              <a:buNone/>
-              <a:defRPr sz="1707">
+            <a:lvl6pPr marL="1219124" indent="0">
+              <a:buNone/>
+              <a:defRPr sz="853">
                 <a:solidFill>
                   <a:schemeClr val="tx1">
                     <a:tint val="75000"/>
@@ -1302,9 +1305,9 @@
                 </a:solidFill>
               </a:defRPr>
             </a:lvl6pPr>
-            <a:lvl7pPr marL="2926171" indent="0">
-              <a:buNone/>
-              <a:defRPr sz="1707">
+            <a:lvl7pPr marL="1462949" indent="0">
+              <a:buNone/>
+              <a:defRPr sz="853">
                 <a:solidFill>
                   <a:schemeClr val="tx1">
                     <a:tint val="75000"/>
@@ -1312,9 +1315,9 @@
                 </a:solidFill>
               </a:defRPr>
             </a:lvl7pPr>
-            <a:lvl8pPr marL="3413867" indent="0">
-              <a:buNone/>
-              <a:defRPr sz="1707">
+            <a:lvl8pPr marL="1706773" indent="0">
+              <a:buNone/>
+              <a:defRPr sz="853">
                 <a:solidFill>
                   <a:schemeClr val="tx1">
                     <a:tint val="75000"/>
@@ -1322,9 +1325,9 @@
                 </a:solidFill>
               </a:defRPr>
             </a:lvl8pPr>
-            <a:lvl9pPr marL="3901562" indent="0">
-              <a:buNone/>
-              <a:defRPr sz="1707">
+            <a:lvl9pPr marL="1950598" indent="0">
+              <a:buNone/>
+              <a:defRPr sz="853">
                 <a:solidFill>
                   <a:schemeClr val="tx1">
                     <a:tint val="75000"/>
@@ -1359,7 +1362,7 @@
           <a:p>
             <a:fld id="{0E08981C-2139-450C-9A30-783FB7BA910A}" type="datetimeFigureOut">
               <a:rPr lang="en-US" smtClean="0"/>
-              <a:t>3/17/2022</a:t>
+              <a:t>7/20/2022</a:t>
             </a:fld>
             <a:endParaRPr lang="en-US"/>
           </a:p>
@@ -1410,7 +1413,7 @@
     </p:spTree>
     <p:extLst>
       <p:ext uri="{BB962C8B-B14F-4D97-AF65-F5344CB8AC3E}">
-        <p14:creationId xmlns:p14="http://schemas.microsoft.com/office/powerpoint/2010/main" val="3607442336"/>
+        <p14:creationId xmlns:p14="http://schemas.microsoft.com/office/powerpoint/2010/main" val="2289607994"/>
       </p:ext>
     </p:extLst>
   </p:cSld>
@@ -1472,8 +1475,8 @@
         </p:nvSpPr>
         <p:spPr>
           <a:xfrm>
-            <a:off x="754380" y="1947333"/>
-            <a:ext cx="4663440" cy="4641427"/>
+            <a:off x="502920" y="973666"/>
+            <a:ext cx="3108960" cy="2320714"/>
           </a:xfrm>
         </p:spPr>
         <p:txBody>
@@ -1529,8 +1532,8 @@
         </p:nvSpPr>
         <p:spPr>
           <a:xfrm>
-            <a:off x="5554980" y="1947333"/>
-            <a:ext cx="4663440" cy="4641427"/>
+            <a:off x="3703320" y="973666"/>
+            <a:ext cx="3108960" cy="2320714"/>
           </a:xfrm>
         </p:spPr>
         <p:txBody>
@@ -1591,7 +1594,7 @@
           <a:p>
             <a:fld id="{0E08981C-2139-450C-9A30-783FB7BA910A}" type="datetimeFigureOut">
               <a:rPr lang="en-US" smtClean="0"/>
-              <a:t>3/17/2022</a:t>
+              <a:t>7/20/2022</a:t>
             </a:fld>
             <a:endParaRPr lang="en-US"/>
           </a:p>
@@ -1642,7 +1645,7 @@
     </p:spTree>
     <p:extLst>
       <p:ext uri="{BB962C8B-B14F-4D97-AF65-F5344CB8AC3E}">
-        <p14:creationId xmlns:p14="http://schemas.microsoft.com/office/powerpoint/2010/main" val="3483286635"/>
+        <p14:creationId xmlns:p14="http://schemas.microsoft.com/office/powerpoint/2010/main" val="1129271176"/>
       </p:ext>
     </p:extLst>
   </p:cSld>
@@ -1681,8 +1684,8 @@
         </p:nvSpPr>
         <p:spPr>
           <a:xfrm>
-            <a:off x="755809" y="389468"/>
-            <a:ext cx="9464040" cy="1413934"/>
+            <a:off x="503873" y="194734"/>
+            <a:ext cx="6309360" cy="706967"/>
           </a:xfrm>
         </p:spPr>
         <p:txBody>
@@ -1709,8 +1712,8 @@
         </p:nvSpPr>
         <p:spPr>
           <a:xfrm>
-            <a:off x="755810" y="1793241"/>
-            <a:ext cx="4642008" cy="878839"/>
+            <a:off x="503873" y="896620"/>
+            <a:ext cx="3094672" cy="439420"/>
           </a:xfrm>
         </p:spPr>
         <p:txBody>
@@ -1718,39 +1721,39 @@
           <a:lstStyle>
             <a:lvl1pPr marL="0" indent="0">
               <a:buNone/>
-              <a:defRPr sz="2560" b="1"/>
+              <a:defRPr sz="1280" b="1"/>
             </a:lvl1pPr>
-            <a:lvl2pPr marL="487695" indent="0">
-              <a:buNone/>
-              <a:defRPr sz="2133" b="1"/>
+            <a:lvl2pPr marL="243825" indent="0">
+              <a:buNone/>
+              <a:defRPr sz="1067" b="1"/>
             </a:lvl2pPr>
-            <a:lvl3pPr marL="975390" indent="0">
-              <a:buNone/>
-              <a:defRPr sz="1920" b="1"/>
+            <a:lvl3pPr marL="487650" indent="0">
+              <a:buNone/>
+              <a:defRPr sz="960" b="1"/>
             </a:lvl3pPr>
-            <a:lvl4pPr marL="1463086" indent="0">
-              <a:buNone/>
-              <a:defRPr sz="1707" b="1"/>
+            <a:lvl4pPr marL="731474" indent="0">
+              <a:buNone/>
+              <a:defRPr sz="853" b="1"/>
             </a:lvl4pPr>
-            <a:lvl5pPr marL="1950781" indent="0">
-              <a:buNone/>
-              <a:defRPr sz="1707" b="1"/>
+            <a:lvl5pPr marL="975299" indent="0">
+              <a:buNone/>
+              <a:defRPr sz="853" b="1"/>
             </a:lvl5pPr>
-            <a:lvl6pPr marL="2438476" indent="0">
-              <a:buNone/>
-              <a:defRPr sz="1707" b="1"/>
+            <a:lvl6pPr marL="1219124" indent="0">
+              <a:buNone/>
+              <a:defRPr sz="853" b="1"/>
             </a:lvl6pPr>
-            <a:lvl7pPr marL="2926171" indent="0">
-              <a:buNone/>
-              <a:defRPr sz="1707" b="1"/>
+            <a:lvl7pPr marL="1462949" indent="0">
+              <a:buNone/>
+              <a:defRPr sz="853" b="1"/>
             </a:lvl7pPr>
-            <a:lvl8pPr marL="3413867" indent="0">
-              <a:buNone/>
-              <a:defRPr sz="1707" b="1"/>
+            <a:lvl8pPr marL="1706773" indent="0">
+              <a:buNone/>
+              <a:defRPr sz="853" b="1"/>
             </a:lvl8pPr>
-            <a:lvl9pPr marL="3901562" indent="0">
-              <a:buNone/>
-              <a:defRPr sz="1707" b="1"/>
+            <a:lvl9pPr marL="1950598" indent="0">
+              <a:buNone/>
+              <a:defRPr sz="853" b="1"/>
             </a:lvl9pPr>
           </a:lstStyle>
           <a:p>
@@ -1774,8 +1777,8 @@
         </p:nvSpPr>
         <p:spPr>
           <a:xfrm>
-            <a:off x="755810" y="2672080"/>
-            <a:ext cx="4642008" cy="3930227"/>
+            <a:off x="503873" y="1336040"/>
+            <a:ext cx="3094672" cy="1965114"/>
           </a:xfrm>
         </p:spPr>
         <p:txBody>
@@ -1831,8 +1834,8 @@
         </p:nvSpPr>
         <p:spPr>
           <a:xfrm>
-            <a:off x="5554981" y="1793241"/>
-            <a:ext cx="4664869" cy="878839"/>
+            <a:off x="3703320" y="896620"/>
+            <a:ext cx="3109913" cy="439420"/>
           </a:xfrm>
         </p:spPr>
         <p:txBody>
@@ -1840,39 +1843,39 @@
           <a:lstStyle>
             <a:lvl1pPr marL="0" indent="0">
               <a:buNone/>
-              <a:defRPr sz="2560" b="1"/>
+              <a:defRPr sz="1280" b="1"/>
             </a:lvl1pPr>
-            <a:lvl2pPr marL="487695" indent="0">
-              <a:buNone/>
-              <a:defRPr sz="2133" b="1"/>
+            <a:lvl2pPr marL="243825" indent="0">
+              <a:buNone/>
+              <a:defRPr sz="1067" b="1"/>
             </a:lvl2pPr>
-            <a:lvl3pPr marL="975390" indent="0">
-              <a:buNone/>
-              <a:defRPr sz="1920" b="1"/>
+            <a:lvl3pPr marL="487650" indent="0">
+              <a:buNone/>
+              <a:defRPr sz="960" b="1"/>
             </a:lvl3pPr>
-            <a:lvl4pPr marL="1463086" indent="0">
-              <a:buNone/>
-              <a:defRPr sz="1707" b="1"/>
+            <a:lvl4pPr marL="731474" indent="0">
+              <a:buNone/>
+              <a:defRPr sz="853" b="1"/>
             </a:lvl4pPr>
-            <a:lvl5pPr marL="1950781" indent="0">
-              <a:buNone/>
-              <a:defRPr sz="1707" b="1"/>
+            <a:lvl5pPr marL="975299" indent="0">
+              <a:buNone/>
+              <a:defRPr sz="853" b="1"/>
             </a:lvl5pPr>
-            <a:lvl6pPr marL="2438476" indent="0">
-              <a:buNone/>
-              <a:defRPr sz="1707" b="1"/>
+            <a:lvl6pPr marL="1219124" indent="0">
+              <a:buNone/>
+              <a:defRPr sz="853" b="1"/>
             </a:lvl6pPr>
-            <a:lvl7pPr marL="2926171" indent="0">
-              <a:buNone/>
-              <a:defRPr sz="1707" b="1"/>
+            <a:lvl7pPr marL="1462949" indent="0">
+              <a:buNone/>
+              <a:defRPr sz="853" b="1"/>
             </a:lvl7pPr>
-            <a:lvl8pPr marL="3413867" indent="0">
-              <a:buNone/>
-              <a:defRPr sz="1707" b="1"/>
+            <a:lvl8pPr marL="1706773" indent="0">
+              <a:buNone/>
+              <a:defRPr sz="853" b="1"/>
             </a:lvl8pPr>
-            <a:lvl9pPr marL="3901562" indent="0">
-              <a:buNone/>
-              <a:defRPr sz="1707" b="1"/>
+            <a:lvl9pPr marL="1950598" indent="0">
+              <a:buNone/>
+              <a:defRPr sz="853" b="1"/>
             </a:lvl9pPr>
           </a:lstStyle>
           <a:p>
@@ -1896,8 +1899,8 @@
         </p:nvSpPr>
         <p:spPr>
           <a:xfrm>
-            <a:off x="5554981" y="2672080"/>
-            <a:ext cx="4664869" cy="3930227"/>
+            <a:off x="3703320" y="1336040"/>
+            <a:ext cx="3109913" cy="1965114"/>
           </a:xfrm>
         </p:spPr>
         <p:txBody>
@@ -1958,7 +1961,7 @@
           <a:p>
             <a:fld id="{0E08981C-2139-450C-9A30-783FB7BA910A}" type="datetimeFigureOut">
               <a:rPr lang="en-US" smtClean="0"/>
-              <a:t>3/17/2022</a:t>
+              <a:t>7/20/2022</a:t>
             </a:fld>
             <a:endParaRPr lang="en-US"/>
           </a:p>
@@ -2009,7 +2012,7 @@
     </p:spTree>
     <p:extLst>
       <p:ext uri="{BB962C8B-B14F-4D97-AF65-F5344CB8AC3E}">
-        <p14:creationId xmlns:p14="http://schemas.microsoft.com/office/powerpoint/2010/main" val="3523674216"/>
+        <p14:creationId xmlns:p14="http://schemas.microsoft.com/office/powerpoint/2010/main" val="1998351385"/>
       </p:ext>
     </p:extLst>
   </p:cSld>
@@ -2076,7 +2079,7 @@
           <a:p>
             <a:fld id="{0E08981C-2139-450C-9A30-783FB7BA910A}" type="datetimeFigureOut">
               <a:rPr lang="en-US" smtClean="0"/>
-              <a:t>3/17/2022</a:t>
+              <a:t>7/20/2022</a:t>
             </a:fld>
             <a:endParaRPr lang="en-US"/>
           </a:p>
@@ -2127,7 +2130,7 @@
     </p:spTree>
     <p:extLst>
       <p:ext uri="{BB962C8B-B14F-4D97-AF65-F5344CB8AC3E}">
-        <p14:creationId xmlns:p14="http://schemas.microsoft.com/office/powerpoint/2010/main" val="3602767059"/>
+        <p14:creationId xmlns:p14="http://schemas.microsoft.com/office/powerpoint/2010/main" val="341745712"/>
       </p:ext>
     </p:extLst>
   </p:cSld>
@@ -2171,7 +2174,7 @@
           <a:p>
             <a:fld id="{0E08981C-2139-450C-9A30-783FB7BA910A}" type="datetimeFigureOut">
               <a:rPr lang="en-US" smtClean="0"/>
-              <a:t>3/17/2022</a:t>
+              <a:t>7/20/2022</a:t>
             </a:fld>
             <a:endParaRPr lang="en-US"/>
           </a:p>
@@ -2222,7 +2225,7 @@
     </p:spTree>
     <p:extLst>
       <p:ext uri="{BB962C8B-B14F-4D97-AF65-F5344CB8AC3E}">
-        <p14:creationId xmlns:p14="http://schemas.microsoft.com/office/powerpoint/2010/main" val="2328096709"/>
+        <p14:creationId xmlns:p14="http://schemas.microsoft.com/office/powerpoint/2010/main" val="801964761"/>
       </p:ext>
     </p:extLst>
   </p:cSld>
@@ -2261,15 +2264,15 @@
         </p:nvSpPr>
         <p:spPr>
           <a:xfrm>
-            <a:off x="755809" y="487680"/>
-            <a:ext cx="3539014" cy="1706880"/>
+            <a:off x="503873" y="243840"/>
+            <a:ext cx="2359342" cy="853440"/>
           </a:xfrm>
         </p:spPr>
         <p:txBody>
           <a:bodyPr anchor="b"/>
           <a:lstStyle>
             <a:lvl1pPr>
-              <a:defRPr sz="3413"/>
+              <a:defRPr sz="1707"/>
             </a:lvl1pPr>
           </a:lstStyle>
           <a:p>
@@ -2293,39 +2296,39 @@
         </p:nvSpPr>
         <p:spPr>
           <a:xfrm>
-            <a:off x="4664869" y="1053255"/>
-            <a:ext cx="5554980" cy="5198533"/>
+            <a:off x="3109913" y="526627"/>
+            <a:ext cx="3703320" cy="2599267"/>
           </a:xfrm>
         </p:spPr>
         <p:txBody>
           <a:bodyPr/>
           <a:lstStyle>
             <a:lvl1pPr>
-              <a:defRPr sz="3413"/>
+              <a:defRPr sz="1707"/>
             </a:lvl1pPr>
             <a:lvl2pPr>
-              <a:defRPr sz="2987"/>
+              <a:defRPr sz="1493"/>
             </a:lvl2pPr>
             <a:lvl3pPr>
-              <a:defRPr sz="2560"/>
+              <a:defRPr sz="1280"/>
             </a:lvl3pPr>
             <a:lvl4pPr>
-              <a:defRPr sz="2133"/>
+              <a:defRPr sz="1067"/>
             </a:lvl4pPr>
             <a:lvl5pPr>
-              <a:defRPr sz="2133"/>
+              <a:defRPr sz="1067"/>
             </a:lvl5pPr>
             <a:lvl6pPr>
-              <a:defRPr sz="2133"/>
+              <a:defRPr sz="1067"/>
             </a:lvl6pPr>
             <a:lvl7pPr>
-              <a:defRPr sz="2133"/>
+              <a:defRPr sz="1067"/>
             </a:lvl7pPr>
             <a:lvl8pPr>
-              <a:defRPr sz="2133"/>
+              <a:defRPr sz="1067"/>
             </a:lvl8pPr>
             <a:lvl9pPr>
-              <a:defRPr sz="2133"/>
+              <a:defRPr sz="1067"/>
             </a:lvl9pPr>
           </a:lstStyle>
           <a:p>
@@ -2378,8 +2381,8 @@
         </p:nvSpPr>
         <p:spPr>
           <a:xfrm>
-            <a:off x="755809" y="2194560"/>
-            <a:ext cx="3539014" cy="4065694"/>
+            <a:off x="503873" y="1097280"/>
+            <a:ext cx="2359342" cy="2032847"/>
           </a:xfrm>
         </p:spPr>
         <p:txBody>
@@ -2387,39 +2390,39 @@
           <a:lstStyle>
             <a:lvl1pPr marL="0" indent="0">
               <a:buNone/>
-              <a:defRPr sz="1707"/>
+              <a:defRPr sz="853"/>
             </a:lvl1pPr>
-            <a:lvl2pPr marL="487695" indent="0">
-              <a:buNone/>
-              <a:defRPr sz="1493"/>
+            <a:lvl2pPr marL="243825" indent="0">
+              <a:buNone/>
+              <a:defRPr sz="747"/>
             </a:lvl2pPr>
-            <a:lvl3pPr marL="975390" indent="0">
-              <a:buNone/>
-              <a:defRPr sz="1280"/>
+            <a:lvl3pPr marL="487650" indent="0">
+              <a:buNone/>
+              <a:defRPr sz="640"/>
             </a:lvl3pPr>
-            <a:lvl4pPr marL="1463086" indent="0">
-              <a:buNone/>
-              <a:defRPr sz="1067"/>
+            <a:lvl4pPr marL="731474" indent="0">
+              <a:buNone/>
+              <a:defRPr sz="533"/>
             </a:lvl4pPr>
-            <a:lvl5pPr marL="1950781" indent="0">
-              <a:buNone/>
-              <a:defRPr sz="1067"/>
+            <a:lvl5pPr marL="975299" indent="0">
+              <a:buNone/>
+              <a:defRPr sz="533"/>
             </a:lvl5pPr>
-            <a:lvl6pPr marL="2438476" indent="0">
-              <a:buNone/>
-              <a:defRPr sz="1067"/>
+            <a:lvl6pPr marL="1219124" indent="0">
+              <a:buNone/>
+              <a:defRPr sz="533"/>
             </a:lvl6pPr>
-            <a:lvl7pPr marL="2926171" indent="0">
-              <a:buNone/>
-              <a:defRPr sz="1067"/>
+            <a:lvl7pPr marL="1462949" indent="0">
+              <a:buNone/>
+              <a:defRPr sz="533"/>
             </a:lvl7pPr>
-            <a:lvl8pPr marL="3413867" indent="0">
-              <a:buNone/>
-              <a:defRPr sz="1067"/>
+            <a:lvl8pPr marL="1706773" indent="0">
+              <a:buNone/>
+              <a:defRPr sz="533"/>
             </a:lvl8pPr>
-            <a:lvl9pPr marL="3901562" indent="0">
-              <a:buNone/>
-              <a:defRPr sz="1067"/>
+            <a:lvl9pPr marL="1950598" indent="0">
+              <a:buNone/>
+              <a:defRPr sz="533"/>
             </a:lvl9pPr>
           </a:lstStyle>
           <a:p>
@@ -2448,7 +2451,7 @@
           <a:p>
             <a:fld id="{0E08981C-2139-450C-9A30-783FB7BA910A}" type="datetimeFigureOut">
               <a:rPr lang="en-US" smtClean="0"/>
-              <a:t>3/17/2022</a:t>
+              <a:t>7/20/2022</a:t>
             </a:fld>
             <a:endParaRPr lang="en-US"/>
           </a:p>
@@ -2499,7 +2502,7 @@
     </p:spTree>
     <p:extLst>
       <p:ext uri="{BB962C8B-B14F-4D97-AF65-F5344CB8AC3E}">
-        <p14:creationId xmlns:p14="http://schemas.microsoft.com/office/powerpoint/2010/main" val="3826780689"/>
+        <p14:creationId xmlns:p14="http://schemas.microsoft.com/office/powerpoint/2010/main" val="2515057295"/>
       </p:ext>
     </p:extLst>
   </p:cSld>
@@ -2538,15 +2541,15 @@
         </p:nvSpPr>
         <p:spPr>
           <a:xfrm>
-            <a:off x="755809" y="487680"/>
-            <a:ext cx="3539014" cy="1706880"/>
+            <a:off x="503873" y="243840"/>
+            <a:ext cx="2359342" cy="853440"/>
           </a:xfrm>
         </p:spPr>
         <p:txBody>
           <a:bodyPr anchor="b"/>
           <a:lstStyle>
             <a:lvl1pPr>
-              <a:defRPr sz="3413"/>
+              <a:defRPr sz="1707"/>
             </a:lvl1pPr>
           </a:lstStyle>
           <a:p>
@@ -2570,8 +2573,8 @@
         </p:nvSpPr>
         <p:spPr>
           <a:xfrm>
-            <a:off x="4664869" y="1053255"/>
-            <a:ext cx="5554980" cy="5198533"/>
+            <a:off x="3109913" y="526627"/>
+            <a:ext cx="3703320" cy="2599267"/>
           </a:xfrm>
         </p:spPr>
         <p:txBody>
@@ -2579,39 +2582,39 @@
           <a:lstStyle>
             <a:lvl1pPr marL="0" indent="0">
               <a:buNone/>
-              <a:defRPr sz="3413"/>
+              <a:defRPr sz="1707"/>
             </a:lvl1pPr>
-            <a:lvl2pPr marL="487695" indent="0">
-              <a:buNone/>
-              <a:defRPr sz="2987"/>
+            <a:lvl2pPr marL="243825" indent="0">
+              <a:buNone/>
+              <a:defRPr sz="1493"/>
             </a:lvl2pPr>
-            <a:lvl3pPr marL="975390" indent="0">
-              <a:buNone/>
-              <a:defRPr sz="2560"/>
+            <a:lvl3pPr marL="487650" indent="0">
+              <a:buNone/>
+              <a:defRPr sz="1280"/>
             </a:lvl3pPr>
-            <a:lvl4pPr marL="1463086" indent="0">
-              <a:buNone/>
-              <a:defRPr sz="2133"/>
+            <a:lvl4pPr marL="731474" indent="0">
+              <a:buNone/>
+              <a:defRPr sz="1067"/>
             </a:lvl4pPr>
-            <a:lvl5pPr marL="1950781" indent="0">
-              <a:buNone/>
-              <a:defRPr sz="2133"/>
+            <a:lvl5pPr marL="975299" indent="0">
+              <a:buNone/>
+              <a:defRPr sz="1067"/>
             </a:lvl5pPr>
-            <a:lvl6pPr marL="2438476" indent="0">
-              <a:buNone/>
-              <a:defRPr sz="2133"/>
+            <a:lvl6pPr marL="1219124" indent="0">
+              <a:buNone/>
+              <a:defRPr sz="1067"/>
             </a:lvl6pPr>
-            <a:lvl7pPr marL="2926171" indent="0">
-              <a:buNone/>
-              <a:defRPr sz="2133"/>
+            <a:lvl7pPr marL="1462949" indent="0">
+              <a:buNone/>
+              <a:defRPr sz="1067"/>
             </a:lvl7pPr>
-            <a:lvl8pPr marL="3413867" indent="0">
-              <a:buNone/>
-              <a:defRPr sz="2133"/>
+            <a:lvl8pPr marL="1706773" indent="0">
+              <a:buNone/>
+              <a:defRPr sz="1067"/>
             </a:lvl8pPr>
-            <a:lvl9pPr marL="3901562" indent="0">
-              <a:buNone/>
-              <a:defRPr sz="2133"/>
+            <a:lvl9pPr marL="1950598" indent="0">
+              <a:buNone/>
+              <a:defRPr sz="1067"/>
             </a:lvl9pPr>
           </a:lstStyle>
           <a:p>
@@ -2635,8 +2638,8 @@
         </p:nvSpPr>
         <p:spPr>
           <a:xfrm>
-            <a:off x="755809" y="2194560"/>
-            <a:ext cx="3539014" cy="4065694"/>
+            <a:off x="503873" y="1097280"/>
+            <a:ext cx="2359342" cy="2032847"/>
           </a:xfrm>
         </p:spPr>
         <p:txBody>
@@ -2644,39 +2647,39 @@
           <a:lstStyle>
             <a:lvl1pPr marL="0" indent="0">
               <a:buNone/>
-              <a:defRPr sz="1707"/>
+              <a:defRPr sz="853"/>
             </a:lvl1pPr>
-            <a:lvl2pPr marL="487695" indent="0">
-              <a:buNone/>
-              <a:defRPr sz="1493"/>
+            <a:lvl2pPr marL="243825" indent="0">
+              <a:buNone/>
+              <a:defRPr sz="747"/>
             </a:lvl2pPr>
-            <a:lvl3pPr marL="975390" indent="0">
-              <a:buNone/>
-              <a:defRPr sz="1280"/>
+            <a:lvl3pPr marL="487650" indent="0">
+              <a:buNone/>
+              <a:defRPr sz="640"/>
             </a:lvl3pPr>
-            <a:lvl4pPr marL="1463086" indent="0">
-              <a:buNone/>
-              <a:defRPr sz="1067"/>
+            <a:lvl4pPr marL="731474" indent="0">
+              <a:buNone/>
+              <a:defRPr sz="533"/>
             </a:lvl4pPr>
-            <a:lvl5pPr marL="1950781" indent="0">
-              <a:buNone/>
-              <a:defRPr sz="1067"/>
+            <a:lvl5pPr marL="975299" indent="0">
+              <a:buNone/>
+              <a:defRPr sz="533"/>
             </a:lvl5pPr>
-            <a:lvl6pPr marL="2438476" indent="0">
-              <a:buNone/>
-              <a:defRPr sz="1067"/>
+            <a:lvl6pPr marL="1219124" indent="0">
+              <a:buNone/>
+              <a:defRPr sz="533"/>
             </a:lvl6pPr>
-            <a:lvl7pPr marL="2926171" indent="0">
-              <a:buNone/>
-              <a:defRPr sz="1067"/>
+            <a:lvl7pPr marL="1462949" indent="0">
+              <a:buNone/>
+              <a:defRPr sz="533"/>
             </a:lvl7pPr>
-            <a:lvl8pPr marL="3413867" indent="0">
-              <a:buNone/>
-              <a:defRPr sz="1067"/>
+            <a:lvl8pPr marL="1706773" indent="0">
+              <a:buNone/>
+              <a:defRPr sz="533"/>
             </a:lvl8pPr>
-            <a:lvl9pPr marL="3901562" indent="0">
-              <a:buNone/>
-              <a:defRPr sz="1067"/>
+            <a:lvl9pPr marL="1950598" indent="0">
+              <a:buNone/>
+              <a:defRPr sz="533"/>
             </a:lvl9pPr>
           </a:lstStyle>
           <a:p>
@@ -2705,7 +2708,7 @@
           <a:p>
             <a:fld id="{0E08981C-2139-450C-9A30-783FB7BA910A}" type="datetimeFigureOut">
               <a:rPr lang="en-US" smtClean="0"/>
-              <a:t>3/17/2022</a:t>
+              <a:t>7/20/2022</a:t>
             </a:fld>
             <a:endParaRPr lang="en-US"/>
           </a:p>
@@ -2756,7 +2759,7 @@
     </p:spTree>
     <p:extLst>
       <p:ext uri="{BB962C8B-B14F-4D97-AF65-F5344CB8AC3E}">
-        <p14:creationId xmlns:p14="http://schemas.microsoft.com/office/powerpoint/2010/main" val="1929733841"/>
+        <p14:creationId xmlns:p14="http://schemas.microsoft.com/office/powerpoint/2010/main" val="1014373739"/>
       </p:ext>
     </p:extLst>
   </p:cSld>
@@ -2800,8 +2803,8 @@
         </p:nvSpPr>
         <p:spPr>
           <a:xfrm>
-            <a:off x="754380" y="389468"/>
-            <a:ext cx="9464040" cy="1413934"/>
+            <a:off x="502920" y="194734"/>
+            <a:ext cx="6309360" cy="706967"/>
           </a:xfrm>
           <a:prstGeom prst="rect">
             <a:avLst/>
@@ -2833,8 +2836,8 @@
         </p:nvSpPr>
         <p:spPr>
           <a:xfrm>
-            <a:off x="754380" y="1947333"/>
-            <a:ext cx="9464040" cy="4641427"/>
+            <a:off x="502920" y="973666"/>
+            <a:ext cx="6309360" cy="2320714"/>
           </a:xfrm>
           <a:prstGeom prst="rect">
             <a:avLst/>
@@ -2895,8 +2898,8 @@
         </p:nvSpPr>
         <p:spPr>
           <a:xfrm>
-            <a:off x="754380" y="6780108"/>
-            <a:ext cx="2468880" cy="389467"/>
+            <a:off x="502920" y="3390054"/>
+            <a:ext cx="1645920" cy="194733"/>
           </a:xfrm>
           <a:prstGeom prst="rect">
             <a:avLst/>
@@ -2906,7 +2909,7 @@
           <a:bodyPr vert="horz" lIns="91440" tIns="45720" rIns="91440" bIns="45720" rtlCol="0" anchor="ctr"/>
           <a:lstStyle>
             <a:lvl1pPr algn="l">
-              <a:defRPr sz="1280">
+              <a:defRPr sz="640">
                 <a:solidFill>
                   <a:schemeClr val="tx1">
                     <a:tint val="75000"/>
@@ -2918,7 +2921,7 @@
           <a:p>
             <a:fld id="{0E08981C-2139-450C-9A30-783FB7BA910A}" type="datetimeFigureOut">
               <a:rPr lang="en-US" smtClean="0"/>
-              <a:t>3/17/2022</a:t>
+              <a:t>7/20/2022</a:t>
             </a:fld>
             <a:endParaRPr lang="en-US"/>
           </a:p>
@@ -2936,8 +2939,8 @@
         </p:nvSpPr>
         <p:spPr>
           <a:xfrm>
-            <a:off x="3634740" y="6780108"/>
-            <a:ext cx="3703320" cy="389467"/>
+            <a:off x="2423160" y="3390054"/>
+            <a:ext cx="2468880" cy="194733"/>
           </a:xfrm>
           <a:prstGeom prst="rect">
             <a:avLst/>
@@ -2947,7 +2950,7 @@
           <a:bodyPr vert="horz" lIns="91440" tIns="45720" rIns="91440" bIns="45720" rtlCol="0" anchor="ctr"/>
           <a:lstStyle>
             <a:lvl1pPr algn="ctr">
-              <a:defRPr sz="1280">
+              <a:defRPr sz="640">
                 <a:solidFill>
                   <a:schemeClr val="tx1">
                     <a:tint val="75000"/>
@@ -2973,8 +2976,8 @@
         </p:nvSpPr>
         <p:spPr>
           <a:xfrm>
-            <a:off x="7749540" y="6780108"/>
-            <a:ext cx="2468880" cy="389467"/>
+            <a:off x="5166360" y="3390054"/>
+            <a:ext cx="1645920" cy="194733"/>
           </a:xfrm>
           <a:prstGeom prst="rect">
             <a:avLst/>
@@ -2984,7 +2987,7 @@
           <a:bodyPr vert="horz" lIns="91440" tIns="45720" rIns="91440" bIns="45720" rtlCol="0" anchor="ctr"/>
           <a:lstStyle>
             <a:lvl1pPr algn="r">
-              <a:defRPr sz="1280">
+              <a:defRPr sz="640">
                 <a:solidFill>
                   <a:schemeClr val="tx1">
                     <a:tint val="75000"/>
@@ -3005,27 +3008,27 @@
     </p:spTree>
     <p:extLst>
       <p:ext uri="{BB962C8B-B14F-4D97-AF65-F5344CB8AC3E}">
-        <p14:creationId xmlns:p14="http://schemas.microsoft.com/office/powerpoint/2010/main" val="84371717"/>
+        <p14:creationId xmlns:p14="http://schemas.microsoft.com/office/powerpoint/2010/main" val="3908960334"/>
       </p:ext>
     </p:extLst>
   </p:cSld>
   <p:clrMap bg1="lt1" tx1="dk1" bg2="lt2" tx2="dk2" accent1="accent1" accent2="accent2" accent3="accent3" accent4="accent4" accent5="accent5" accent6="accent6" hlink="hlink" folHlink="folHlink"/>
   <p:sldLayoutIdLst>
-    <p:sldLayoutId id="2147483673" r:id="rId1"/>
-    <p:sldLayoutId id="2147483674" r:id="rId2"/>
-    <p:sldLayoutId id="2147483675" r:id="rId3"/>
-    <p:sldLayoutId id="2147483676" r:id="rId4"/>
-    <p:sldLayoutId id="2147483677" r:id="rId5"/>
-    <p:sldLayoutId id="2147483678" r:id="rId6"/>
-    <p:sldLayoutId id="2147483679" r:id="rId7"/>
-    <p:sldLayoutId id="2147483680" r:id="rId8"/>
-    <p:sldLayoutId id="2147483681" r:id="rId9"/>
-    <p:sldLayoutId id="2147483682" r:id="rId10"/>
-    <p:sldLayoutId id="2147483683" r:id="rId11"/>
+    <p:sldLayoutId id="2147483697" r:id="rId1"/>
+    <p:sldLayoutId id="2147483698" r:id="rId2"/>
+    <p:sldLayoutId id="2147483699" r:id="rId3"/>
+    <p:sldLayoutId id="2147483700" r:id="rId4"/>
+    <p:sldLayoutId id="2147483701" r:id="rId5"/>
+    <p:sldLayoutId id="2147483702" r:id="rId6"/>
+    <p:sldLayoutId id="2147483703" r:id="rId7"/>
+    <p:sldLayoutId id="2147483704" r:id="rId8"/>
+    <p:sldLayoutId id="2147483705" r:id="rId9"/>
+    <p:sldLayoutId id="2147483706" r:id="rId10"/>
+    <p:sldLayoutId id="2147483707" r:id="rId11"/>
   </p:sldLayoutIdLst>
   <p:txStyles>
     <p:titleStyle>
-      <a:lvl1pPr algn="l" defTabSz="975390" rtl="0" eaLnBrk="1" latinLnBrk="0" hangingPunct="1">
+      <a:lvl1pPr algn="l" defTabSz="487650" rtl="0" eaLnBrk="1" latinLnBrk="0" hangingPunct="1">
         <a:lnSpc>
           <a:spcPct val="90000"/>
         </a:lnSpc>
@@ -3033,7 +3036,7 @@
           <a:spcPct val="0"/>
         </a:spcBef>
         <a:buNone/>
-        <a:defRPr sz="4693" kern="1200">
+        <a:defRPr sz="2347" kern="1200">
           <a:solidFill>
             <a:schemeClr val="tx1"/>
           </a:solidFill>
@@ -3044,16 +3047,16 @@
       </a:lvl1pPr>
     </p:titleStyle>
     <p:bodyStyle>
-      <a:lvl1pPr marL="243848" indent="-243848" algn="l" defTabSz="975390" rtl="0" eaLnBrk="1" latinLnBrk="0" hangingPunct="1">
+      <a:lvl1pPr marL="121912" indent="-121912" algn="l" defTabSz="487650" rtl="0" eaLnBrk="1" latinLnBrk="0" hangingPunct="1">
         <a:lnSpc>
           <a:spcPct val="90000"/>
         </a:lnSpc>
         <a:spcBef>
-          <a:spcPts val="1067"/>
+          <a:spcPts val="533"/>
         </a:spcBef>
         <a:buFont typeface="Arial" panose="020B0604020202020204" pitchFamily="34" charset="0"/>
         <a:buChar char="•"/>
-        <a:defRPr sz="2987" kern="1200">
+        <a:defRPr sz="1493" kern="1200">
           <a:solidFill>
             <a:schemeClr val="tx1"/>
           </a:solidFill>
@@ -3062,16 +3065,16 @@
           <a:cs typeface="+mn-cs"/>
         </a:defRPr>
       </a:lvl1pPr>
-      <a:lvl2pPr marL="731543" indent="-243848" algn="l" defTabSz="975390" rtl="0" eaLnBrk="1" latinLnBrk="0" hangingPunct="1">
+      <a:lvl2pPr marL="365737" indent="-121912" algn="l" defTabSz="487650" rtl="0" eaLnBrk="1" latinLnBrk="0" hangingPunct="1">
         <a:lnSpc>
           <a:spcPct val="90000"/>
         </a:lnSpc>
         <a:spcBef>
-          <a:spcPts val="533"/>
+          <a:spcPts val="267"/>
         </a:spcBef>
         <a:buFont typeface="Arial" panose="020B0604020202020204" pitchFamily="34" charset="0"/>
         <a:buChar char="•"/>
-        <a:defRPr sz="2560" kern="1200">
+        <a:defRPr sz="1280" kern="1200">
           <a:solidFill>
             <a:schemeClr val="tx1"/>
           </a:solidFill>
@@ -3080,16 +3083,16 @@
           <a:cs typeface="+mn-cs"/>
         </a:defRPr>
       </a:lvl2pPr>
-      <a:lvl3pPr marL="1219238" indent="-243848" algn="l" defTabSz="975390" rtl="0" eaLnBrk="1" latinLnBrk="0" hangingPunct="1">
+      <a:lvl3pPr marL="609562" indent="-121912" algn="l" defTabSz="487650" rtl="0" eaLnBrk="1" latinLnBrk="0" hangingPunct="1">
         <a:lnSpc>
           <a:spcPct val="90000"/>
         </a:lnSpc>
         <a:spcBef>
-          <a:spcPts val="533"/>
+          <a:spcPts val="267"/>
         </a:spcBef>
         <a:buFont typeface="Arial" panose="020B0604020202020204" pitchFamily="34" charset="0"/>
         <a:buChar char="•"/>
-        <a:defRPr sz="2133" kern="1200">
+        <a:defRPr sz="1067" kern="1200">
           <a:solidFill>
             <a:schemeClr val="tx1"/>
           </a:solidFill>
@@ -3098,16 +3101,16 @@
           <a:cs typeface="+mn-cs"/>
         </a:defRPr>
       </a:lvl3pPr>
-      <a:lvl4pPr marL="1706933" indent="-243848" algn="l" defTabSz="975390" rtl="0" eaLnBrk="1" latinLnBrk="0" hangingPunct="1">
+      <a:lvl4pPr marL="853387" indent="-121912" algn="l" defTabSz="487650" rtl="0" eaLnBrk="1" latinLnBrk="0" hangingPunct="1">
         <a:lnSpc>
           <a:spcPct val="90000"/>
         </a:lnSpc>
         <a:spcBef>
-          <a:spcPts val="533"/>
+          <a:spcPts val="267"/>
         </a:spcBef>
         <a:buFont typeface="Arial" panose="020B0604020202020204" pitchFamily="34" charset="0"/>
         <a:buChar char="•"/>
-        <a:defRPr sz="1920" kern="1200">
+        <a:defRPr sz="960" kern="1200">
           <a:solidFill>
             <a:schemeClr val="tx1"/>
           </a:solidFill>
@@ -3116,16 +3119,16 @@
           <a:cs typeface="+mn-cs"/>
         </a:defRPr>
       </a:lvl4pPr>
-      <a:lvl5pPr marL="2194629" indent="-243848" algn="l" defTabSz="975390" rtl="0" eaLnBrk="1" latinLnBrk="0" hangingPunct="1">
+      <a:lvl5pPr marL="1097211" indent="-121912" algn="l" defTabSz="487650" rtl="0" eaLnBrk="1" latinLnBrk="0" hangingPunct="1">
         <a:lnSpc>
           <a:spcPct val="90000"/>
         </a:lnSpc>
         <a:spcBef>
-          <a:spcPts val="533"/>
+          <a:spcPts val="267"/>
         </a:spcBef>
         <a:buFont typeface="Arial" panose="020B0604020202020204" pitchFamily="34" charset="0"/>
         <a:buChar char="•"/>
-        <a:defRPr sz="1920" kern="1200">
+        <a:defRPr sz="960" kern="1200">
           <a:solidFill>
             <a:schemeClr val="tx1"/>
           </a:solidFill>
@@ -3134,16 +3137,16 @@
           <a:cs typeface="+mn-cs"/>
         </a:defRPr>
       </a:lvl5pPr>
-      <a:lvl6pPr marL="2682324" indent="-243848" algn="l" defTabSz="975390" rtl="0" eaLnBrk="1" latinLnBrk="0" hangingPunct="1">
+      <a:lvl6pPr marL="1341036" indent="-121912" algn="l" defTabSz="487650" rtl="0" eaLnBrk="1" latinLnBrk="0" hangingPunct="1">
         <a:lnSpc>
           <a:spcPct val="90000"/>
         </a:lnSpc>
         <a:spcBef>
-          <a:spcPts val="533"/>
+          <a:spcPts val="267"/>
         </a:spcBef>
         <a:buFont typeface="Arial" panose="020B0604020202020204" pitchFamily="34" charset="0"/>
         <a:buChar char="•"/>
-        <a:defRPr sz="1920" kern="1200">
+        <a:defRPr sz="960" kern="1200">
           <a:solidFill>
             <a:schemeClr val="tx1"/>
           </a:solidFill>
@@ -3152,16 +3155,16 @@
           <a:cs typeface="+mn-cs"/>
         </a:defRPr>
       </a:lvl6pPr>
-      <a:lvl7pPr marL="3170019" indent="-243848" algn="l" defTabSz="975390" rtl="0" eaLnBrk="1" latinLnBrk="0" hangingPunct="1">
+      <a:lvl7pPr marL="1584861" indent="-121912" algn="l" defTabSz="487650" rtl="0" eaLnBrk="1" latinLnBrk="0" hangingPunct="1">
         <a:lnSpc>
           <a:spcPct val="90000"/>
         </a:lnSpc>
         <a:spcBef>
-          <a:spcPts val="533"/>
+          <a:spcPts val="267"/>
         </a:spcBef>
         <a:buFont typeface="Arial" panose="020B0604020202020204" pitchFamily="34" charset="0"/>
         <a:buChar char="•"/>
-        <a:defRPr sz="1920" kern="1200">
+        <a:defRPr sz="960" kern="1200">
           <a:solidFill>
             <a:schemeClr val="tx1"/>
           </a:solidFill>
@@ -3170,16 +3173,16 @@
           <a:cs typeface="+mn-cs"/>
         </a:defRPr>
       </a:lvl7pPr>
-      <a:lvl8pPr marL="3657714" indent="-243848" algn="l" defTabSz="975390" rtl="0" eaLnBrk="1" latinLnBrk="0" hangingPunct="1">
+      <a:lvl8pPr marL="1828686" indent="-121912" algn="l" defTabSz="487650" rtl="0" eaLnBrk="1" latinLnBrk="0" hangingPunct="1">
         <a:lnSpc>
           <a:spcPct val="90000"/>
         </a:lnSpc>
         <a:spcBef>
-          <a:spcPts val="533"/>
+          <a:spcPts val="267"/>
         </a:spcBef>
         <a:buFont typeface="Arial" panose="020B0604020202020204" pitchFamily="34" charset="0"/>
         <a:buChar char="•"/>
-        <a:defRPr sz="1920" kern="1200">
+        <a:defRPr sz="960" kern="1200">
           <a:solidFill>
             <a:schemeClr val="tx1"/>
           </a:solidFill>
@@ -3188,16 +3191,16 @@
           <a:cs typeface="+mn-cs"/>
         </a:defRPr>
       </a:lvl8pPr>
-      <a:lvl9pPr marL="4145410" indent="-243848" algn="l" defTabSz="975390" rtl="0" eaLnBrk="1" latinLnBrk="0" hangingPunct="1">
+      <a:lvl9pPr marL="2072510" indent="-121912" algn="l" defTabSz="487650" rtl="0" eaLnBrk="1" latinLnBrk="0" hangingPunct="1">
         <a:lnSpc>
           <a:spcPct val="90000"/>
         </a:lnSpc>
         <a:spcBef>
-          <a:spcPts val="533"/>
+          <a:spcPts val="267"/>
         </a:spcBef>
         <a:buFont typeface="Arial" panose="020B0604020202020204" pitchFamily="34" charset="0"/>
         <a:buChar char="•"/>
-        <a:defRPr sz="1920" kern="1200">
+        <a:defRPr sz="960" kern="1200">
           <a:solidFill>
             <a:schemeClr val="tx1"/>
           </a:solidFill>
@@ -3211,8 +3214,8 @@
       <a:defPPr>
         <a:defRPr lang="en-US"/>
       </a:defPPr>
-      <a:lvl1pPr marL="0" algn="l" defTabSz="975390" rtl="0" eaLnBrk="1" latinLnBrk="0" hangingPunct="1">
-        <a:defRPr sz="1920" kern="1200">
+      <a:lvl1pPr marL="0" algn="l" defTabSz="487650" rtl="0" eaLnBrk="1" latinLnBrk="0" hangingPunct="1">
+        <a:defRPr sz="960" kern="1200">
           <a:solidFill>
             <a:schemeClr val="tx1"/>
           </a:solidFill>
@@ -3221,8 +3224,8 @@
           <a:cs typeface="+mn-cs"/>
         </a:defRPr>
       </a:lvl1pPr>
-      <a:lvl2pPr marL="487695" algn="l" defTabSz="975390" rtl="0" eaLnBrk="1" latinLnBrk="0" hangingPunct="1">
-        <a:defRPr sz="1920" kern="1200">
+      <a:lvl2pPr marL="243825" algn="l" defTabSz="487650" rtl="0" eaLnBrk="1" latinLnBrk="0" hangingPunct="1">
+        <a:defRPr sz="960" kern="1200">
           <a:solidFill>
             <a:schemeClr val="tx1"/>
           </a:solidFill>
@@ -3231,8 +3234,8 @@
           <a:cs typeface="+mn-cs"/>
         </a:defRPr>
       </a:lvl2pPr>
-      <a:lvl3pPr marL="975390" algn="l" defTabSz="975390" rtl="0" eaLnBrk="1" latinLnBrk="0" hangingPunct="1">
-        <a:defRPr sz="1920" kern="1200">
+      <a:lvl3pPr marL="487650" algn="l" defTabSz="487650" rtl="0" eaLnBrk="1" latinLnBrk="0" hangingPunct="1">
+        <a:defRPr sz="960" kern="1200">
           <a:solidFill>
             <a:schemeClr val="tx1"/>
           </a:solidFill>
@@ -3241,8 +3244,8 @@
           <a:cs typeface="+mn-cs"/>
         </a:defRPr>
       </a:lvl3pPr>
-      <a:lvl4pPr marL="1463086" algn="l" defTabSz="975390" rtl="0" eaLnBrk="1" latinLnBrk="0" hangingPunct="1">
-        <a:defRPr sz="1920" kern="1200">
+      <a:lvl4pPr marL="731474" algn="l" defTabSz="487650" rtl="0" eaLnBrk="1" latinLnBrk="0" hangingPunct="1">
+        <a:defRPr sz="960" kern="1200">
           <a:solidFill>
             <a:schemeClr val="tx1"/>
           </a:solidFill>
@@ -3251,8 +3254,8 @@
           <a:cs typeface="+mn-cs"/>
         </a:defRPr>
       </a:lvl4pPr>
-      <a:lvl5pPr marL="1950781" algn="l" defTabSz="975390" rtl="0" eaLnBrk="1" latinLnBrk="0" hangingPunct="1">
-        <a:defRPr sz="1920" kern="1200">
+      <a:lvl5pPr marL="975299" algn="l" defTabSz="487650" rtl="0" eaLnBrk="1" latinLnBrk="0" hangingPunct="1">
+        <a:defRPr sz="960" kern="1200">
           <a:solidFill>
             <a:schemeClr val="tx1"/>
           </a:solidFill>
@@ -3261,8 +3264,8 @@
           <a:cs typeface="+mn-cs"/>
         </a:defRPr>
       </a:lvl5pPr>
-      <a:lvl6pPr marL="2438476" algn="l" defTabSz="975390" rtl="0" eaLnBrk="1" latinLnBrk="0" hangingPunct="1">
-        <a:defRPr sz="1920" kern="1200">
+      <a:lvl6pPr marL="1219124" algn="l" defTabSz="487650" rtl="0" eaLnBrk="1" latinLnBrk="0" hangingPunct="1">
+        <a:defRPr sz="960" kern="1200">
           <a:solidFill>
             <a:schemeClr val="tx1"/>
           </a:solidFill>
@@ -3271,8 +3274,8 @@
           <a:cs typeface="+mn-cs"/>
         </a:defRPr>
       </a:lvl6pPr>
-      <a:lvl7pPr marL="2926171" algn="l" defTabSz="975390" rtl="0" eaLnBrk="1" latinLnBrk="0" hangingPunct="1">
-        <a:defRPr sz="1920" kern="1200">
+      <a:lvl7pPr marL="1462949" algn="l" defTabSz="487650" rtl="0" eaLnBrk="1" latinLnBrk="0" hangingPunct="1">
+        <a:defRPr sz="960" kern="1200">
           <a:solidFill>
             <a:schemeClr val="tx1"/>
           </a:solidFill>
@@ -3281,8 +3284,8 @@
           <a:cs typeface="+mn-cs"/>
         </a:defRPr>
       </a:lvl7pPr>
-      <a:lvl8pPr marL="3413867" algn="l" defTabSz="975390" rtl="0" eaLnBrk="1" latinLnBrk="0" hangingPunct="1">
-        <a:defRPr sz="1920" kern="1200">
+      <a:lvl8pPr marL="1706773" algn="l" defTabSz="487650" rtl="0" eaLnBrk="1" latinLnBrk="0" hangingPunct="1">
+        <a:defRPr sz="960" kern="1200">
           <a:solidFill>
             <a:schemeClr val="tx1"/>
           </a:solidFill>
@@ -3291,8 +3294,8 @@
           <a:cs typeface="+mn-cs"/>
         </a:defRPr>
       </a:lvl8pPr>
-      <a:lvl9pPr marL="3901562" algn="l" defTabSz="975390" rtl="0" eaLnBrk="1" latinLnBrk="0" hangingPunct="1">
-        <a:defRPr sz="1920" kern="1200">
+      <a:lvl9pPr marL="1950598" algn="l" defTabSz="487650" rtl="0" eaLnBrk="1" latinLnBrk="0" hangingPunct="1">
+        <a:defRPr sz="960" kern="1200">
           <a:solidFill>
             <a:schemeClr val="tx1"/>
           </a:solidFill>
@@ -3323,653 +3326,12 @@
           <a:chExt cx="0" cy="0"/>
         </a:xfrm>
       </p:grpSpPr>
-      <p:grpSp>
-        <p:nvGrpSpPr>
-          <p:cNvPr id="16" name="Group 15">
+      <p:pic>
+        <p:nvPicPr>
+          <p:cNvPr id="96" name="Picture 95">
             <a:extLst>
               <a:ext uri="{FF2B5EF4-FFF2-40B4-BE49-F238E27FC236}">
-                <a16:creationId xmlns:a16="http://schemas.microsoft.com/office/drawing/2014/main" id="{508D08E3-D64F-4F25-A922-5DB967ADDC7A}"/>
-              </a:ext>
-            </a:extLst>
-          </p:cNvPr>
-          <p:cNvGrpSpPr/>
-          <p:nvPr/>
-        </p:nvGrpSpPr>
-        <p:grpSpPr>
-          <a:xfrm>
-            <a:off x="8743841" y="1981357"/>
-            <a:ext cx="1010064" cy="651508"/>
-            <a:chOff x="1984557" y="574144"/>
-            <a:chExt cx="1010064" cy="651508"/>
-          </a:xfrm>
-        </p:grpSpPr>
-        <p:sp>
-          <p:nvSpPr>
-            <p:cNvPr id="206" name="Oval 205">
-              <a:extLst>
-                <a:ext uri="{FF2B5EF4-FFF2-40B4-BE49-F238E27FC236}">
-                  <a16:creationId xmlns:a16="http://schemas.microsoft.com/office/drawing/2014/main" id="{7272E363-CAB5-40CB-A6BA-4DB39E24A8D8}"/>
-                </a:ext>
-              </a:extLst>
-            </p:cNvPr>
-            <p:cNvSpPr>
-              <a:spLocks noChangeAspect="1"/>
-            </p:cNvSpPr>
-            <p:nvPr/>
-          </p:nvSpPr>
-          <p:spPr>
-            <a:xfrm>
-              <a:off x="1998165" y="682562"/>
-              <a:ext cx="82639" cy="82639"/>
-            </a:xfrm>
-            <a:prstGeom prst="ellipse">
-              <a:avLst/>
-            </a:prstGeom>
-            <a:solidFill>
-              <a:srgbClr val="4876FF"/>
-            </a:solidFill>
-            <a:ln>
-              <a:noFill/>
-            </a:ln>
-          </p:spPr>
-          <p:style>
-            <a:lnRef idx="2">
-              <a:schemeClr val="accent1">
-                <a:shade val="50000"/>
-              </a:schemeClr>
-            </a:lnRef>
-            <a:fillRef idx="1">
-              <a:schemeClr val="accent1"/>
-            </a:fillRef>
-            <a:effectRef idx="0">
-              <a:schemeClr val="accent1"/>
-            </a:effectRef>
-            <a:fontRef idx="minor">
-              <a:schemeClr val="lt1"/>
-            </a:fontRef>
-          </p:style>
-          <p:txBody>
-            <a:bodyPr rtlCol="0" anchor="ctr"/>
-            <a:lstStyle/>
-            <a:p>
-              <a:pPr algn="ctr"/>
-              <a:endParaRPr lang="en-US"/>
-            </a:p>
-          </p:txBody>
-        </p:sp>
-        <p:sp>
-          <p:nvSpPr>
-            <p:cNvPr id="207" name="TextBox 206">
-              <a:extLst>
-                <a:ext uri="{FF2B5EF4-FFF2-40B4-BE49-F238E27FC236}">
-                  <a16:creationId xmlns:a16="http://schemas.microsoft.com/office/drawing/2014/main" id="{2CD5F596-8A47-4E23-991F-382382215FE3}"/>
-                </a:ext>
-              </a:extLst>
-            </p:cNvPr>
-            <p:cNvSpPr txBox="1"/>
-            <p:nvPr/>
-          </p:nvSpPr>
-          <p:spPr>
-            <a:xfrm>
-              <a:off x="2045994" y="574144"/>
-              <a:ext cx="583814" cy="276999"/>
-            </a:xfrm>
-            <a:prstGeom prst="rect">
-              <a:avLst/>
-            </a:prstGeom>
-            <a:noFill/>
-          </p:spPr>
-          <p:txBody>
-            <a:bodyPr wrap="none" rtlCol="0">
-              <a:spAutoFit/>
-            </a:bodyPr>
-            <a:lstStyle/>
-            <a:p>
-              <a:r>
-                <a:rPr lang="en-US" sz="1200" dirty="0">
-                  <a:latin typeface="Arial" panose="020B0604020202020204" pitchFamily="34" charset="0"/>
-                  <a:cs typeface="Arial" panose="020B0604020202020204" pitchFamily="34" charset="0"/>
-                </a:rPr>
-                <a:t>ploidy</a:t>
-              </a:r>
-            </a:p>
-          </p:txBody>
-        </p:sp>
-        <p:sp>
-          <p:nvSpPr>
-            <p:cNvPr id="209" name="TextBox 208">
-              <a:extLst>
-                <a:ext uri="{FF2B5EF4-FFF2-40B4-BE49-F238E27FC236}">
-                  <a16:creationId xmlns:a16="http://schemas.microsoft.com/office/drawing/2014/main" id="{E2DEFB8F-A168-419B-BAA1-A5A54F524B79}"/>
-                </a:ext>
-              </a:extLst>
-            </p:cNvPr>
-            <p:cNvSpPr txBox="1"/>
-            <p:nvPr/>
-          </p:nvSpPr>
-          <p:spPr>
-            <a:xfrm>
-              <a:off x="2043720" y="769759"/>
-              <a:ext cx="950901" cy="276999"/>
-            </a:xfrm>
-            <a:prstGeom prst="rect">
-              <a:avLst/>
-            </a:prstGeom>
-            <a:noFill/>
-          </p:spPr>
-          <p:txBody>
-            <a:bodyPr wrap="none" rtlCol="0">
-              <a:spAutoFit/>
-            </a:bodyPr>
-            <a:lstStyle/>
-            <a:p>
-              <a:r>
-                <a:rPr lang="en-US" sz="1200" dirty="0">
-                  <a:latin typeface="Arial" panose="020B0604020202020204" pitchFamily="34" charset="0"/>
-                  <a:cs typeface="Arial" panose="020B0604020202020204" pitchFamily="34" charset="0"/>
-                </a:rPr>
-                <a:t>desiccation</a:t>
-              </a:r>
-            </a:p>
-          </p:txBody>
-        </p:sp>
-        <p:sp>
-          <p:nvSpPr>
-            <p:cNvPr id="122" name="Isosceles Triangle 121">
-              <a:extLst>
-                <a:ext uri="{FF2B5EF4-FFF2-40B4-BE49-F238E27FC236}">
-                  <a16:creationId xmlns:a16="http://schemas.microsoft.com/office/drawing/2014/main" id="{8F2D6B39-9B2D-47DA-831E-9AA3D6EC4A8D}"/>
-                </a:ext>
-              </a:extLst>
-            </p:cNvPr>
-            <p:cNvSpPr>
-              <a:spLocks noChangeAspect="1"/>
-            </p:cNvSpPr>
-            <p:nvPr/>
-          </p:nvSpPr>
-          <p:spPr>
-            <a:xfrm>
-              <a:off x="1984557" y="855557"/>
-              <a:ext cx="109853" cy="94701"/>
-            </a:xfrm>
-            <a:prstGeom prst="triangle">
-              <a:avLst/>
-            </a:prstGeom>
-            <a:solidFill>
-              <a:srgbClr val="FF4500"/>
-            </a:solidFill>
-            <a:ln>
-              <a:noFill/>
-            </a:ln>
-          </p:spPr>
-          <p:style>
-            <a:lnRef idx="2">
-              <a:schemeClr val="accent1">
-                <a:shade val="50000"/>
-              </a:schemeClr>
-            </a:lnRef>
-            <a:fillRef idx="1">
-              <a:schemeClr val="accent1"/>
-            </a:fillRef>
-            <a:effectRef idx="0">
-              <a:schemeClr val="accent1"/>
-            </a:effectRef>
-            <a:fontRef idx="minor">
-              <a:schemeClr val="lt1"/>
-            </a:fontRef>
-          </p:style>
-          <p:txBody>
-            <a:bodyPr rtlCol="0" anchor="ctr"/>
-            <a:lstStyle/>
-            <a:p>
-              <a:pPr algn="ctr"/>
-              <a:endParaRPr lang="en-US"/>
-            </a:p>
-          </p:txBody>
-        </p:sp>
-        <p:sp>
-          <p:nvSpPr>
-            <p:cNvPr id="9" name="Rectangle 8">
-              <a:extLst>
-                <a:ext uri="{FF2B5EF4-FFF2-40B4-BE49-F238E27FC236}">
-                  <a16:creationId xmlns:a16="http://schemas.microsoft.com/office/drawing/2014/main" id="{6A3C3544-EE86-4254-808F-3C21A698B1C8}"/>
-                </a:ext>
-              </a:extLst>
-            </p:cNvPr>
-            <p:cNvSpPr>
-              <a:spLocks noChangeAspect="1"/>
-            </p:cNvSpPr>
-            <p:nvPr/>
-          </p:nvSpPr>
-          <p:spPr>
-            <a:xfrm>
-              <a:off x="1998165" y="1052261"/>
-              <a:ext cx="89344" cy="89344"/>
-            </a:xfrm>
-            <a:prstGeom prst="rect">
-              <a:avLst/>
-            </a:prstGeom>
-            <a:solidFill>
-              <a:srgbClr val="4EEE94"/>
-            </a:solidFill>
-            <a:ln>
-              <a:noFill/>
-            </a:ln>
-          </p:spPr>
-          <p:style>
-            <a:lnRef idx="2">
-              <a:schemeClr val="accent1">
-                <a:shade val="50000"/>
-              </a:schemeClr>
-            </a:lnRef>
-            <a:fillRef idx="1">
-              <a:schemeClr val="accent1"/>
-            </a:fillRef>
-            <a:effectRef idx="0">
-              <a:schemeClr val="accent1"/>
-            </a:effectRef>
-            <a:fontRef idx="minor">
-              <a:schemeClr val="lt1"/>
-            </a:fontRef>
-          </p:style>
-          <p:txBody>
-            <a:bodyPr rtlCol="0" anchor="ctr"/>
-            <a:lstStyle/>
-            <a:p>
-              <a:pPr algn="ctr"/>
-              <a:endParaRPr lang="en-US"/>
-            </a:p>
-          </p:txBody>
-        </p:sp>
-        <p:sp>
-          <p:nvSpPr>
-            <p:cNvPr id="124" name="TextBox 123">
-              <a:extLst>
-                <a:ext uri="{FF2B5EF4-FFF2-40B4-BE49-F238E27FC236}">
-                  <a16:creationId xmlns:a16="http://schemas.microsoft.com/office/drawing/2014/main" id="{84085AAE-F5CD-47F6-BE3C-F6666D28B29F}"/>
-                </a:ext>
-              </a:extLst>
-            </p:cNvPr>
-            <p:cNvSpPr txBox="1"/>
-            <p:nvPr/>
-          </p:nvSpPr>
-          <p:spPr>
-            <a:xfrm>
-              <a:off x="2036331" y="948653"/>
-              <a:ext cx="891591" cy="276999"/>
-            </a:xfrm>
-            <a:prstGeom prst="rect">
-              <a:avLst/>
-            </a:prstGeom>
-            <a:noFill/>
-          </p:spPr>
-          <p:txBody>
-            <a:bodyPr wrap="none" rtlCol="0">
-              <a:spAutoFit/>
-            </a:bodyPr>
-            <a:lstStyle/>
-            <a:p>
-              <a:r>
-                <a:rPr lang="en-US" sz="1200" dirty="0">
-                  <a:latin typeface="Arial" panose="020B0604020202020204" pitchFamily="34" charset="0"/>
-                  <a:cs typeface="Arial" panose="020B0604020202020204" pitchFamily="34" charset="0"/>
-                </a:rPr>
-                <a:t>interaction</a:t>
-              </a:r>
-            </a:p>
-          </p:txBody>
-        </p:sp>
-      </p:grpSp>
-      <p:sp>
-        <p:nvSpPr>
-          <p:cNvPr id="210" name="TextBox 209">
-            <a:extLst>
-              <a:ext uri="{FF2B5EF4-FFF2-40B4-BE49-F238E27FC236}">
-                <a16:creationId xmlns:a16="http://schemas.microsoft.com/office/drawing/2014/main" id="{E0A6BCB4-4610-4923-8895-EE96CCC7C7F2}"/>
-              </a:ext>
-            </a:extLst>
-          </p:cNvPr>
-          <p:cNvSpPr txBox="1"/>
-          <p:nvPr/>
-        </p:nvSpPr>
-        <p:spPr>
-          <a:xfrm>
-            <a:off x="276800" y="101692"/>
-            <a:ext cx="351378" cy="369332"/>
-          </a:xfrm>
-          <a:prstGeom prst="rect">
-            <a:avLst/>
-          </a:prstGeom>
-          <a:noFill/>
-        </p:spPr>
-        <p:txBody>
-          <a:bodyPr wrap="none" rtlCol="0">
-            <a:spAutoFit/>
-          </a:bodyPr>
-          <a:lstStyle/>
-          <a:p>
-            <a:r>
-              <a:rPr lang="en-US" b="1" dirty="0">
-                <a:latin typeface="Arial" panose="020B0604020202020204" pitchFamily="34" charset="0"/>
-                <a:cs typeface="Arial" panose="020B0604020202020204" pitchFamily="34" charset="0"/>
-              </a:rPr>
-              <a:t>A</a:t>
-            </a:r>
-          </a:p>
-        </p:txBody>
-      </p:sp>
-      <p:sp>
-        <p:nvSpPr>
-          <p:cNvPr id="213" name="TextBox 212">
-            <a:extLst>
-              <a:ext uri="{FF2B5EF4-FFF2-40B4-BE49-F238E27FC236}">
-                <a16:creationId xmlns:a16="http://schemas.microsoft.com/office/drawing/2014/main" id="{A962E37C-1D2B-4DEC-BB2D-9FEA22CFCC74}"/>
-              </a:ext>
-            </a:extLst>
-          </p:cNvPr>
-          <p:cNvSpPr txBox="1"/>
-          <p:nvPr/>
-        </p:nvSpPr>
-        <p:spPr>
-          <a:xfrm>
-            <a:off x="1009013" y="3074486"/>
-            <a:ext cx="1462385" cy="461665"/>
-          </a:xfrm>
-          <a:prstGeom prst="rect">
-            <a:avLst/>
-          </a:prstGeom>
-          <a:noFill/>
-        </p:spPr>
-        <p:txBody>
-          <a:bodyPr wrap="square" rtlCol="0">
-            <a:spAutoFit/>
-          </a:bodyPr>
-          <a:lstStyle/>
-          <a:p>
-            <a:pPr algn="ctr"/>
-            <a:r>
-              <a:rPr lang="en-US" sz="1200" dirty="0">
-                <a:latin typeface="Arial" panose="020B0604020202020204" pitchFamily="34" charset="0"/>
-                <a:cs typeface="Arial" panose="020B0604020202020204" pitchFamily="34" charset="0"/>
-              </a:rPr>
-              <a:t>difference threshold (%)</a:t>
-            </a:r>
-          </a:p>
-        </p:txBody>
-      </p:sp>
-      <p:sp>
-        <p:nvSpPr>
-          <p:cNvPr id="214" name="TextBox 213">
-            <a:extLst>
-              <a:ext uri="{FF2B5EF4-FFF2-40B4-BE49-F238E27FC236}">
-                <a16:creationId xmlns:a16="http://schemas.microsoft.com/office/drawing/2014/main" id="{797CC6CF-FDA7-4311-956F-4EB13F379539}"/>
-              </a:ext>
-            </a:extLst>
-          </p:cNvPr>
-          <p:cNvSpPr txBox="1"/>
-          <p:nvPr/>
-        </p:nvSpPr>
-        <p:spPr>
-          <a:xfrm rot="16200000">
-            <a:off x="-447326" y="1371931"/>
-            <a:ext cx="1690872" cy="276999"/>
-          </a:xfrm>
-          <a:prstGeom prst="rect">
-            <a:avLst/>
-          </a:prstGeom>
-          <a:noFill/>
-        </p:spPr>
-        <p:txBody>
-          <a:bodyPr wrap="square" rtlCol="0">
-            <a:spAutoFit/>
-          </a:bodyPr>
-          <a:lstStyle/>
-          <a:p>
-            <a:pPr algn="ctr"/>
-            <a:r>
-              <a:rPr lang="en-US" sz="1200" dirty="0">
-                <a:latin typeface="Arial" panose="020B0604020202020204" pitchFamily="34" charset="0"/>
-                <a:cs typeface="Arial" panose="020B0604020202020204" pitchFamily="34" charset="0"/>
-              </a:rPr>
-              <a:t>Mortality (%)</a:t>
-            </a:r>
-          </a:p>
-        </p:txBody>
-      </p:sp>
-      <p:sp>
-        <p:nvSpPr>
-          <p:cNvPr id="211" name="TextBox 210">
-            <a:extLst>
-              <a:ext uri="{FF2B5EF4-FFF2-40B4-BE49-F238E27FC236}">
-                <a16:creationId xmlns:a16="http://schemas.microsoft.com/office/drawing/2014/main" id="{057B567D-27AA-4E5C-97BF-C87A6BAE1361}"/>
-              </a:ext>
-            </a:extLst>
-          </p:cNvPr>
-          <p:cNvSpPr txBox="1"/>
-          <p:nvPr/>
-        </p:nvSpPr>
-        <p:spPr>
-          <a:xfrm>
-            <a:off x="5601143" y="335705"/>
-            <a:ext cx="351378" cy="369332"/>
-          </a:xfrm>
-          <a:prstGeom prst="rect">
-            <a:avLst/>
-          </a:prstGeom>
-          <a:noFill/>
-        </p:spPr>
-        <p:txBody>
-          <a:bodyPr wrap="none" rtlCol="0">
-            <a:spAutoFit/>
-          </a:bodyPr>
-          <a:lstStyle/>
-          <a:p>
-            <a:r>
-              <a:rPr lang="en-US" b="1" dirty="0">
-                <a:latin typeface="Arial" panose="020B0604020202020204" pitchFamily="34" charset="0"/>
-                <a:cs typeface="Arial" panose="020B0604020202020204" pitchFamily="34" charset="0"/>
-              </a:rPr>
-              <a:t>C</a:t>
-            </a:r>
-          </a:p>
-        </p:txBody>
-      </p:sp>
-      <p:sp>
-        <p:nvSpPr>
-          <p:cNvPr id="239" name="TextBox 238">
-            <a:extLst>
-              <a:ext uri="{FF2B5EF4-FFF2-40B4-BE49-F238E27FC236}">
-                <a16:creationId xmlns:a16="http://schemas.microsoft.com/office/drawing/2014/main" id="{F771785F-3779-43BB-AF02-95A0FA1F1C35}"/>
-              </a:ext>
-            </a:extLst>
-          </p:cNvPr>
-          <p:cNvSpPr txBox="1"/>
-          <p:nvPr/>
-        </p:nvSpPr>
-        <p:spPr>
-          <a:xfrm>
-            <a:off x="3608510" y="3655436"/>
-            <a:ext cx="325730" cy="369332"/>
-          </a:xfrm>
-          <a:prstGeom prst="rect">
-            <a:avLst/>
-          </a:prstGeom>
-          <a:noFill/>
-        </p:spPr>
-        <p:txBody>
-          <a:bodyPr wrap="none" rtlCol="0">
-            <a:spAutoFit/>
-          </a:bodyPr>
-          <a:lstStyle/>
-          <a:p>
-            <a:r>
-              <a:rPr lang="en-US" b="1" dirty="0">
-                <a:latin typeface="Arial" panose="020B0604020202020204" pitchFamily="34" charset="0"/>
-                <a:cs typeface="Arial" panose="020B0604020202020204" pitchFamily="34" charset="0"/>
-              </a:rPr>
-              <a:t>F</a:t>
-            </a:r>
-          </a:p>
-        </p:txBody>
-      </p:sp>
-      <p:sp>
-        <p:nvSpPr>
-          <p:cNvPr id="240" name="TextBox 239">
-            <a:extLst>
-              <a:ext uri="{FF2B5EF4-FFF2-40B4-BE49-F238E27FC236}">
-                <a16:creationId xmlns:a16="http://schemas.microsoft.com/office/drawing/2014/main" id="{E9F2AA59-F13B-49E1-9D84-425BB80EF790}"/>
-              </a:ext>
-            </a:extLst>
-          </p:cNvPr>
-          <p:cNvSpPr txBox="1"/>
-          <p:nvPr/>
-        </p:nvSpPr>
-        <p:spPr>
-          <a:xfrm>
-            <a:off x="265665" y="3655436"/>
-            <a:ext cx="338554" cy="369332"/>
-          </a:xfrm>
-          <a:prstGeom prst="rect">
-            <a:avLst/>
-          </a:prstGeom>
-          <a:noFill/>
-        </p:spPr>
-        <p:txBody>
-          <a:bodyPr wrap="none" rtlCol="0">
-            <a:spAutoFit/>
-          </a:bodyPr>
-          <a:lstStyle/>
-          <a:p>
-            <a:r>
-              <a:rPr lang="en-US" b="1" dirty="0">
-                <a:latin typeface="Arial" panose="020B0604020202020204" pitchFamily="34" charset="0"/>
-                <a:cs typeface="Arial" panose="020B0604020202020204" pitchFamily="34" charset="0"/>
-              </a:rPr>
-              <a:t>E</a:t>
-            </a:r>
-          </a:p>
-        </p:txBody>
-      </p:sp>
-      <p:sp>
-        <p:nvSpPr>
-          <p:cNvPr id="145" name="TextBox 144">
-            <a:extLst>
-              <a:ext uri="{FF2B5EF4-FFF2-40B4-BE49-F238E27FC236}">
-                <a16:creationId xmlns:a16="http://schemas.microsoft.com/office/drawing/2014/main" id="{A1C2F95B-E605-455D-BD6C-5F8551B9EA17}"/>
-              </a:ext>
-            </a:extLst>
-          </p:cNvPr>
-          <p:cNvSpPr txBox="1"/>
-          <p:nvPr/>
-        </p:nvSpPr>
-        <p:spPr>
-          <a:xfrm>
-            <a:off x="2851127" y="335705"/>
-            <a:ext cx="351378" cy="369332"/>
-          </a:xfrm>
-          <a:prstGeom prst="rect">
-            <a:avLst/>
-          </a:prstGeom>
-          <a:noFill/>
-        </p:spPr>
-        <p:txBody>
-          <a:bodyPr wrap="none" rtlCol="0">
-            <a:spAutoFit/>
-          </a:bodyPr>
-          <a:lstStyle/>
-          <a:p>
-            <a:r>
-              <a:rPr lang="en-US" b="1" dirty="0">
-                <a:latin typeface="Arial" panose="020B0604020202020204" pitchFamily="34" charset="0"/>
-                <a:cs typeface="Arial" panose="020B0604020202020204" pitchFamily="34" charset="0"/>
-              </a:rPr>
-              <a:t>B</a:t>
-            </a:r>
-          </a:p>
-        </p:txBody>
-      </p:sp>
-      <p:sp>
-        <p:nvSpPr>
-          <p:cNvPr id="212" name="TextBox 211">
-            <a:extLst>
-              <a:ext uri="{FF2B5EF4-FFF2-40B4-BE49-F238E27FC236}">
-                <a16:creationId xmlns:a16="http://schemas.microsoft.com/office/drawing/2014/main" id="{5398F739-2708-4057-B52C-2CD8BDA30267}"/>
-              </a:ext>
-            </a:extLst>
-          </p:cNvPr>
-          <p:cNvSpPr txBox="1"/>
-          <p:nvPr/>
-        </p:nvSpPr>
-        <p:spPr>
-          <a:xfrm>
-            <a:off x="8336797" y="335705"/>
-            <a:ext cx="351378" cy="369332"/>
-          </a:xfrm>
-          <a:prstGeom prst="rect">
-            <a:avLst/>
-          </a:prstGeom>
-          <a:noFill/>
-        </p:spPr>
-        <p:txBody>
-          <a:bodyPr wrap="none" rtlCol="0">
-            <a:spAutoFit/>
-          </a:bodyPr>
-          <a:lstStyle/>
-          <a:p>
-            <a:r>
-              <a:rPr lang="en-US" b="1" dirty="0">
-                <a:latin typeface="Arial" panose="020B0604020202020204" pitchFamily="34" charset="0"/>
-                <a:cs typeface="Arial" panose="020B0604020202020204" pitchFamily="34" charset="0"/>
-              </a:rPr>
-              <a:t>D</a:t>
-            </a:r>
-          </a:p>
-        </p:txBody>
-      </p:sp>
-      <p:sp>
-        <p:nvSpPr>
-          <p:cNvPr id="258" name="TextBox 257">
-            <a:extLst>
-              <a:ext uri="{FF2B5EF4-FFF2-40B4-BE49-F238E27FC236}">
-                <a16:creationId xmlns:a16="http://schemas.microsoft.com/office/drawing/2014/main" id="{7913426D-7BC5-4938-9BFF-CD3DBB0DB8A9}"/>
-              </a:ext>
-            </a:extLst>
-          </p:cNvPr>
-          <p:cNvSpPr txBox="1"/>
-          <p:nvPr/>
-        </p:nvSpPr>
-        <p:spPr>
-          <a:xfrm>
-            <a:off x="7052265" y="3655436"/>
-            <a:ext cx="364202" cy="369332"/>
-          </a:xfrm>
-          <a:prstGeom prst="rect">
-            <a:avLst/>
-          </a:prstGeom>
-          <a:noFill/>
-        </p:spPr>
-        <p:txBody>
-          <a:bodyPr wrap="none" rtlCol="0">
-            <a:spAutoFit/>
-          </a:bodyPr>
-          <a:lstStyle/>
-          <a:p>
-            <a:r>
-              <a:rPr lang="en-US" b="1" dirty="0">
-                <a:latin typeface="Arial" panose="020B0604020202020204" pitchFamily="34" charset="0"/>
-                <a:cs typeface="Arial" panose="020B0604020202020204" pitchFamily="34" charset="0"/>
-              </a:rPr>
-              <a:t>G</a:t>
-            </a:r>
-          </a:p>
-        </p:txBody>
-      </p:sp>
-      <p:pic>
-        <p:nvPicPr>
-          <p:cNvPr id="3" name="Picture 2">
-            <a:extLst>
-              <a:ext uri="{FF2B5EF4-FFF2-40B4-BE49-F238E27FC236}">
-                <a16:creationId xmlns:a16="http://schemas.microsoft.com/office/drawing/2014/main" id="{3CA771DA-4E6D-42D6-84D0-0521F960D0DA}"/>
+                <a16:creationId xmlns:a16="http://schemas.microsoft.com/office/drawing/2014/main" id="{966CE163-619B-87CF-293F-9136CEFA5E0B}"/>
               </a:ext>
             </a:extLst>
           </p:cNvPr>
@@ -3980,25 +3342,679 @@
         </p:nvPicPr>
         <p:blipFill rotWithShape="1">
           <a:blip r:embed="rId2"/>
-          <a:srcRect l="6093" r="32144" b="6580"/>
+          <a:srcRect l="5021" r="30874" b="6191"/>
           <a:stretch/>
         </p:blipFill>
         <p:spPr>
           <a:xfrm>
-            <a:off x="530491" y="223089"/>
-            <a:ext cx="2276217" cy="2869045"/>
+            <a:off x="2843147" y="383579"/>
+            <a:ext cx="2110233" cy="2573369"/>
           </a:xfrm>
           <a:prstGeom prst="rect">
             <a:avLst/>
           </a:prstGeom>
         </p:spPr>
       </p:pic>
+      <p:sp>
+        <p:nvSpPr>
+          <p:cNvPr id="97" name="TextBox 96">
+            <a:extLst>
+              <a:ext uri="{FF2B5EF4-FFF2-40B4-BE49-F238E27FC236}">
+                <a16:creationId xmlns:a16="http://schemas.microsoft.com/office/drawing/2014/main" id="{5DCE4735-444E-E691-2158-FB08EFC16FF6}"/>
+              </a:ext>
+            </a:extLst>
+          </p:cNvPr>
+          <p:cNvSpPr txBox="1"/>
+          <p:nvPr/>
+        </p:nvSpPr>
+        <p:spPr>
+          <a:xfrm>
+            <a:off x="150590" y="329047"/>
+            <a:ext cx="351378" cy="369332"/>
+          </a:xfrm>
+          <a:prstGeom prst="rect">
+            <a:avLst/>
+          </a:prstGeom>
+          <a:noFill/>
+        </p:spPr>
+        <p:txBody>
+          <a:bodyPr wrap="none" rtlCol="0">
+            <a:spAutoFit/>
+          </a:bodyPr>
+          <a:lstStyle/>
+          <a:p>
+            <a:r>
+              <a:rPr lang="en-US" b="1" dirty="0">
+                <a:latin typeface="Arial" panose="020B0604020202020204" pitchFamily="34" charset="0"/>
+                <a:cs typeface="Arial" panose="020B0604020202020204" pitchFamily="34" charset="0"/>
+              </a:rPr>
+              <a:t>A</a:t>
+            </a:r>
+          </a:p>
+        </p:txBody>
+      </p:sp>
+      <p:sp>
+        <p:nvSpPr>
+          <p:cNvPr id="98" name="TextBox 97">
+            <a:extLst>
+              <a:ext uri="{FF2B5EF4-FFF2-40B4-BE49-F238E27FC236}">
+                <a16:creationId xmlns:a16="http://schemas.microsoft.com/office/drawing/2014/main" id="{BA9615EF-9D56-9F88-7F68-C3385F58121E}"/>
+              </a:ext>
+            </a:extLst>
+          </p:cNvPr>
+          <p:cNvSpPr txBox="1"/>
+          <p:nvPr/>
+        </p:nvSpPr>
+        <p:spPr>
+          <a:xfrm>
+            <a:off x="1451965" y="3053486"/>
+            <a:ext cx="2526079" cy="261610"/>
+          </a:xfrm>
+          <a:prstGeom prst="rect">
+            <a:avLst/>
+          </a:prstGeom>
+          <a:noFill/>
+        </p:spPr>
+        <p:txBody>
+          <a:bodyPr wrap="square" rtlCol="0">
+            <a:spAutoFit/>
+          </a:bodyPr>
+          <a:lstStyle/>
+          <a:p>
+            <a:pPr algn="ctr"/>
+            <a:r>
+              <a:rPr lang="en-US" sz="1100" dirty="0">
+                <a:latin typeface="Arial" panose="020B0604020202020204" pitchFamily="34" charset="0"/>
+                <a:cs typeface="Arial" panose="020B0604020202020204" pitchFamily="34" charset="0"/>
+              </a:rPr>
+              <a:t>Length of stress exposure (days)</a:t>
+            </a:r>
+          </a:p>
+        </p:txBody>
+      </p:sp>
+      <p:sp>
+        <p:nvSpPr>
+          <p:cNvPr id="99" name="TextBox 98">
+            <a:extLst>
+              <a:ext uri="{FF2B5EF4-FFF2-40B4-BE49-F238E27FC236}">
+                <a16:creationId xmlns:a16="http://schemas.microsoft.com/office/drawing/2014/main" id="{AA24208A-BC6F-2E36-DF4F-AA77D8C0CE66}"/>
+              </a:ext>
+            </a:extLst>
+          </p:cNvPr>
+          <p:cNvSpPr txBox="1"/>
+          <p:nvPr/>
+        </p:nvSpPr>
+        <p:spPr>
+          <a:xfrm rot="16200000">
+            <a:off x="-654525" y="1486340"/>
+            <a:ext cx="1921454" cy="261610"/>
+          </a:xfrm>
+          <a:prstGeom prst="rect">
+            <a:avLst/>
+          </a:prstGeom>
+          <a:noFill/>
+        </p:spPr>
+        <p:txBody>
+          <a:bodyPr wrap="square" rtlCol="0">
+            <a:spAutoFit/>
+          </a:bodyPr>
+          <a:lstStyle/>
+          <a:p>
+            <a:pPr algn="ctr"/>
+            <a:r>
+              <a:rPr lang="en-US" sz="1100" dirty="0">
+                <a:latin typeface="Arial" panose="020B0604020202020204" pitchFamily="34" charset="0"/>
+                <a:cs typeface="Arial" panose="020B0604020202020204" pitchFamily="34" charset="0"/>
+              </a:rPr>
+              <a:t>Cumulative Mortality (%)</a:t>
+            </a:r>
+          </a:p>
+        </p:txBody>
+      </p:sp>
+      <p:sp>
+        <p:nvSpPr>
+          <p:cNvPr id="104" name="TextBox 103">
+            <a:extLst>
+              <a:ext uri="{FF2B5EF4-FFF2-40B4-BE49-F238E27FC236}">
+                <a16:creationId xmlns:a16="http://schemas.microsoft.com/office/drawing/2014/main" id="{22108F61-AB00-8F2E-DB5D-E5A05CAFE7F4}"/>
+              </a:ext>
+            </a:extLst>
+          </p:cNvPr>
+          <p:cNvSpPr txBox="1"/>
+          <p:nvPr/>
+        </p:nvSpPr>
+        <p:spPr>
+          <a:xfrm>
+            <a:off x="5324248" y="411340"/>
+            <a:ext cx="928459" cy="230832"/>
+          </a:xfrm>
+          <a:prstGeom prst="rect">
+            <a:avLst/>
+          </a:prstGeom>
+          <a:noFill/>
+        </p:spPr>
+        <p:txBody>
+          <a:bodyPr wrap="none" rtlCol="0">
+            <a:spAutoFit/>
+          </a:bodyPr>
+          <a:lstStyle/>
+          <a:p>
+            <a:r>
+              <a:rPr lang="en-US" sz="900" dirty="0">
+                <a:solidFill>
+                  <a:srgbClr val="000000"/>
+                </a:solidFill>
+                <a:latin typeface="Arial" panose="020B0604020202020204" pitchFamily="34" charset="0"/>
+                <a:cs typeface="Arial" panose="020B0604020202020204" pitchFamily="34" charset="0"/>
+              </a:rPr>
+              <a:t>diploid, control</a:t>
+            </a:r>
+          </a:p>
+        </p:txBody>
+      </p:sp>
+      <p:sp>
+        <p:nvSpPr>
+          <p:cNvPr id="105" name="TextBox 104">
+            <a:extLst>
+              <a:ext uri="{FF2B5EF4-FFF2-40B4-BE49-F238E27FC236}">
+                <a16:creationId xmlns:a16="http://schemas.microsoft.com/office/drawing/2014/main" id="{45672FA5-3BCE-A1FC-47D9-D54E95540F9A}"/>
+              </a:ext>
+            </a:extLst>
+          </p:cNvPr>
+          <p:cNvSpPr txBox="1"/>
+          <p:nvPr/>
+        </p:nvSpPr>
+        <p:spPr>
+          <a:xfrm>
+            <a:off x="5324248" y="581067"/>
+            <a:ext cx="1326004" cy="230832"/>
+          </a:xfrm>
+          <a:prstGeom prst="rect">
+            <a:avLst/>
+          </a:prstGeom>
+          <a:noFill/>
+        </p:spPr>
+        <p:txBody>
+          <a:bodyPr wrap="none" rtlCol="0">
+            <a:spAutoFit/>
+          </a:bodyPr>
+          <a:lstStyle/>
+          <a:p>
+            <a:r>
+              <a:rPr lang="en-US" sz="900" dirty="0">
+                <a:solidFill>
+                  <a:srgbClr val="000000"/>
+                </a:solidFill>
+                <a:latin typeface="Arial" panose="020B0604020202020204" pitchFamily="34" charset="0"/>
+                <a:cs typeface="Arial" panose="020B0604020202020204" pitchFamily="34" charset="0"/>
+              </a:rPr>
+              <a:t>diploid, single stressor</a:t>
+            </a:r>
+          </a:p>
+        </p:txBody>
+      </p:sp>
+      <p:sp>
+        <p:nvSpPr>
+          <p:cNvPr id="106" name="TextBox 105">
+            <a:extLst>
+              <a:ext uri="{FF2B5EF4-FFF2-40B4-BE49-F238E27FC236}">
+                <a16:creationId xmlns:a16="http://schemas.microsoft.com/office/drawing/2014/main" id="{105A9955-3FA5-24B1-E27D-D30871F56D0C}"/>
+              </a:ext>
+            </a:extLst>
+          </p:cNvPr>
+          <p:cNvSpPr txBox="1"/>
+          <p:nvPr/>
+        </p:nvSpPr>
+        <p:spPr>
+          <a:xfrm>
+            <a:off x="5324248" y="750794"/>
+            <a:ext cx="1274708" cy="230832"/>
+          </a:xfrm>
+          <a:prstGeom prst="rect">
+            <a:avLst/>
+          </a:prstGeom>
+          <a:noFill/>
+        </p:spPr>
+        <p:txBody>
+          <a:bodyPr wrap="none" rtlCol="0">
+            <a:spAutoFit/>
+          </a:bodyPr>
+          <a:lstStyle/>
+          <a:p>
+            <a:r>
+              <a:rPr lang="en-US" sz="900" dirty="0">
+                <a:solidFill>
+                  <a:srgbClr val="000000"/>
+                </a:solidFill>
+                <a:latin typeface="Arial" panose="020B0604020202020204" pitchFamily="34" charset="0"/>
+                <a:cs typeface="Arial" panose="020B0604020202020204" pitchFamily="34" charset="0"/>
+              </a:rPr>
+              <a:t>diploid, multi-stressor</a:t>
+            </a:r>
+          </a:p>
+        </p:txBody>
+      </p:sp>
+      <p:pic>
+        <p:nvPicPr>
+          <p:cNvPr id="131" name="Picture 130">
+            <a:extLst>
+              <a:ext uri="{FF2B5EF4-FFF2-40B4-BE49-F238E27FC236}">
+                <a16:creationId xmlns:a16="http://schemas.microsoft.com/office/drawing/2014/main" id="{E7C95658-8EE0-D257-7E2B-82318C1CF9BB}"/>
+              </a:ext>
+            </a:extLst>
+          </p:cNvPr>
+          <p:cNvPicPr>
+            <a:picLocks noChangeAspect="1"/>
+          </p:cNvPicPr>
+          <p:nvPr/>
+        </p:nvPicPr>
+        <p:blipFill rotWithShape="1">
+          <a:blip r:embed="rId3"/>
+          <a:srcRect l="5179" r="32257" b="6191"/>
+          <a:stretch/>
+        </p:blipFill>
+        <p:spPr>
+          <a:xfrm>
+            <a:off x="479761" y="383579"/>
+            <a:ext cx="2059555" cy="2573369"/>
+          </a:xfrm>
+          <a:prstGeom prst="rect">
+            <a:avLst/>
+          </a:prstGeom>
+        </p:spPr>
+      </p:pic>
+      <p:sp>
+        <p:nvSpPr>
+          <p:cNvPr id="132" name="TextBox 131">
+            <a:extLst>
+              <a:ext uri="{FF2B5EF4-FFF2-40B4-BE49-F238E27FC236}">
+                <a16:creationId xmlns:a16="http://schemas.microsoft.com/office/drawing/2014/main" id="{A11E8707-9D65-9C7B-D7EF-522AD698F63B}"/>
+              </a:ext>
+            </a:extLst>
+          </p:cNvPr>
+          <p:cNvSpPr txBox="1"/>
+          <p:nvPr/>
+        </p:nvSpPr>
+        <p:spPr>
+          <a:xfrm>
+            <a:off x="2539316" y="329047"/>
+            <a:ext cx="351378" cy="369332"/>
+          </a:xfrm>
+          <a:prstGeom prst="rect">
+            <a:avLst/>
+          </a:prstGeom>
+          <a:noFill/>
+        </p:spPr>
+        <p:txBody>
+          <a:bodyPr wrap="none" rtlCol="0">
+            <a:spAutoFit/>
+          </a:bodyPr>
+          <a:lstStyle/>
+          <a:p>
+            <a:r>
+              <a:rPr lang="en-US" b="1" dirty="0">
+                <a:latin typeface="Arial" panose="020B0604020202020204" pitchFamily="34" charset="0"/>
+                <a:cs typeface="Arial" panose="020B0604020202020204" pitchFamily="34" charset="0"/>
+              </a:rPr>
+              <a:t>B</a:t>
+            </a:r>
+          </a:p>
+        </p:txBody>
+      </p:sp>
+      <p:sp>
+        <p:nvSpPr>
+          <p:cNvPr id="133" name="TextBox 132">
+            <a:extLst>
+              <a:ext uri="{FF2B5EF4-FFF2-40B4-BE49-F238E27FC236}">
+                <a16:creationId xmlns:a16="http://schemas.microsoft.com/office/drawing/2014/main" id="{A9BB7EEB-21A5-1FA7-50CB-D3B46CED4F53}"/>
+              </a:ext>
+            </a:extLst>
+          </p:cNvPr>
+          <p:cNvSpPr txBox="1"/>
+          <p:nvPr/>
+        </p:nvSpPr>
+        <p:spPr>
+          <a:xfrm rot="16200000">
+            <a:off x="1734201" y="1486340"/>
+            <a:ext cx="1921454" cy="261610"/>
+          </a:xfrm>
+          <a:prstGeom prst="rect">
+            <a:avLst/>
+          </a:prstGeom>
+          <a:noFill/>
+        </p:spPr>
+        <p:txBody>
+          <a:bodyPr wrap="square" rtlCol="0">
+            <a:spAutoFit/>
+          </a:bodyPr>
+          <a:lstStyle/>
+          <a:p>
+            <a:pPr algn="ctr"/>
+            <a:r>
+              <a:rPr lang="en-US" sz="1100" dirty="0">
+                <a:latin typeface="Arial" panose="020B0604020202020204" pitchFamily="34" charset="0"/>
+                <a:cs typeface="Arial" panose="020B0604020202020204" pitchFamily="34" charset="0"/>
+              </a:rPr>
+              <a:t>Cumulative Mortality (%)</a:t>
+            </a:r>
+          </a:p>
+        </p:txBody>
+      </p:sp>
+      <p:sp>
+        <p:nvSpPr>
+          <p:cNvPr id="134" name="TextBox 133">
+            <a:extLst>
+              <a:ext uri="{FF2B5EF4-FFF2-40B4-BE49-F238E27FC236}">
+                <a16:creationId xmlns:a16="http://schemas.microsoft.com/office/drawing/2014/main" id="{9D7D2AEA-2C13-88A1-25CA-725E45646F78}"/>
+              </a:ext>
+            </a:extLst>
+          </p:cNvPr>
+          <p:cNvSpPr txBox="1"/>
+          <p:nvPr/>
+        </p:nvSpPr>
+        <p:spPr>
+          <a:xfrm>
+            <a:off x="3621748" y="428079"/>
+            <a:ext cx="671979" cy="261610"/>
+          </a:xfrm>
+          <a:prstGeom prst="rect">
+            <a:avLst/>
+          </a:prstGeom>
+          <a:noFill/>
+        </p:spPr>
+        <p:txBody>
+          <a:bodyPr wrap="none" rtlCol="0">
+            <a:spAutoFit/>
+          </a:bodyPr>
+          <a:lstStyle/>
+          <a:p>
+            <a:r>
+              <a:rPr lang="en-US" sz="1100" i="1" dirty="0">
+                <a:latin typeface="Arial" panose="020B0604020202020204" pitchFamily="34" charset="0"/>
+                <a:cs typeface="Arial" panose="020B0604020202020204" pitchFamily="34" charset="0"/>
+              </a:rPr>
+              <a:t>triploids</a:t>
+            </a:r>
+          </a:p>
+        </p:txBody>
+      </p:sp>
+      <p:sp>
+        <p:nvSpPr>
+          <p:cNvPr id="135" name="TextBox 134">
+            <a:extLst>
+              <a:ext uri="{FF2B5EF4-FFF2-40B4-BE49-F238E27FC236}">
+                <a16:creationId xmlns:a16="http://schemas.microsoft.com/office/drawing/2014/main" id="{900A6A44-1E4F-BD4F-60FA-6897FC4C4890}"/>
+              </a:ext>
+            </a:extLst>
+          </p:cNvPr>
+          <p:cNvSpPr txBox="1"/>
+          <p:nvPr/>
+        </p:nvSpPr>
+        <p:spPr>
+          <a:xfrm>
+            <a:off x="1252067" y="428079"/>
+            <a:ext cx="665567" cy="261610"/>
+          </a:xfrm>
+          <a:prstGeom prst="rect">
+            <a:avLst/>
+          </a:prstGeom>
+          <a:noFill/>
+        </p:spPr>
+        <p:txBody>
+          <a:bodyPr wrap="none" rtlCol="0">
+            <a:spAutoFit/>
+          </a:bodyPr>
+          <a:lstStyle/>
+          <a:p>
+            <a:r>
+              <a:rPr lang="en-US" sz="1100" i="1" dirty="0">
+                <a:latin typeface="Arial" panose="020B0604020202020204" pitchFamily="34" charset="0"/>
+                <a:cs typeface="Arial" panose="020B0604020202020204" pitchFamily="34" charset="0"/>
+              </a:rPr>
+              <a:t>diploids</a:t>
+            </a:r>
+          </a:p>
+        </p:txBody>
+      </p:sp>
+      <p:sp>
+        <p:nvSpPr>
+          <p:cNvPr id="136" name="TextBox 135">
+            <a:extLst>
+              <a:ext uri="{FF2B5EF4-FFF2-40B4-BE49-F238E27FC236}">
+                <a16:creationId xmlns:a16="http://schemas.microsoft.com/office/drawing/2014/main" id="{034737BB-8EE0-7F2D-FF57-2CB205C619B4}"/>
+              </a:ext>
+            </a:extLst>
+          </p:cNvPr>
+          <p:cNvSpPr txBox="1"/>
+          <p:nvPr/>
+        </p:nvSpPr>
+        <p:spPr>
+          <a:xfrm>
+            <a:off x="5324248" y="1150984"/>
+            <a:ext cx="934871" cy="230832"/>
+          </a:xfrm>
+          <a:prstGeom prst="rect">
+            <a:avLst/>
+          </a:prstGeom>
+          <a:noFill/>
+        </p:spPr>
+        <p:txBody>
+          <a:bodyPr wrap="none" rtlCol="0">
+            <a:spAutoFit/>
+          </a:bodyPr>
+          <a:lstStyle/>
+          <a:p>
+            <a:r>
+              <a:rPr lang="en-US" sz="900" dirty="0">
+                <a:solidFill>
+                  <a:srgbClr val="000000"/>
+                </a:solidFill>
+                <a:latin typeface="Arial" panose="020B0604020202020204" pitchFamily="34" charset="0"/>
+                <a:cs typeface="Arial" panose="020B0604020202020204" pitchFamily="34" charset="0"/>
+              </a:rPr>
+              <a:t>triploid, control</a:t>
+            </a:r>
+          </a:p>
+        </p:txBody>
+      </p:sp>
+      <p:sp>
+        <p:nvSpPr>
+          <p:cNvPr id="137" name="TextBox 136">
+            <a:extLst>
+              <a:ext uri="{FF2B5EF4-FFF2-40B4-BE49-F238E27FC236}">
+                <a16:creationId xmlns:a16="http://schemas.microsoft.com/office/drawing/2014/main" id="{86D1FEB8-D4B0-DE73-5AEA-5F5B619C5313}"/>
+              </a:ext>
+            </a:extLst>
+          </p:cNvPr>
+          <p:cNvSpPr txBox="1"/>
+          <p:nvPr/>
+        </p:nvSpPr>
+        <p:spPr>
+          <a:xfrm>
+            <a:off x="5324248" y="1314858"/>
+            <a:ext cx="1332416" cy="230832"/>
+          </a:xfrm>
+          <a:prstGeom prst="rect">
+            <a:avLst/>
+          </a:prstGeom>
+          <a:noFill/>
+        </p:spPr>
+        <p:txBody>
+          <a:bodyPr wrap="none" rtlCol="0">
+            <a:spAutoFit/>
+          </a:bodyPr>
+          <a:lstStyle/>
+          <a:p>
+            <a:r>
+              <a:rPr lang="en-US" sz="900" dirty="0">
+                <a:solidFill>
+                  <a:srgbClr val="000000"/>
+                </a:solidFill>
+                <a:latin typeface="Arial" panose="020B0604020202020204" pitchFamily="34" charset="0"/>
+                <a:cs typeface="Arial" panose="020B0604020202020204" pitchFamily="34" charset="0"/>
+              </a:rPr>
+              <a:t>triploid, single stressor</a:t>
+            </a:r>
+          </a:p>
+        </p:txBody>
+      </p:sp>
+      <p:sp>
+        <p:nvSpPr>
+          <p:cNvPr id="138" name="TextBox 137">
+            <a:extLst>
+              <a:ext uri="{FF2B5EF4-FFF2-40B4-BE49-F238E27FC236}">
+                <a16:creationId xmlns:a16="http://schemas.microsoft.com/office/drawing/2014/main" id="{7949B795-8BE9-7C3E-576C-E83C00896A55}"/>
+              </a:ext>
+            </a:extLst>
+          </p:cNvPr>
+          <p:cNvSpPr txBox="1"/>
+          <p:nvPr/>
+        </p:nvSpPr>
+        <p:spPr>
+          <a:xfrm>
+            <a:off x="5324248" y="1493655"/>
+            <a:ext cx="1281120" cy="230832"/>
+          </a:xfrm>
+          <a:prstGeom prst="rect">
+            <a:avLst/>
+          </a:prstGeom>
+          <a:noFill/>
+        </p:spPr>
+        <p:txBody>
+          <a:bodyPr wrap="none" rtlCol="0">
+            <a:spAutoFit/>
+          </a:bodyPr>
+          <a:lstStyle/>
+          <a:p>
+            <a:r>
+              <a:rPr lang="en-US" sz="900" dirty="0">
+                <a:solidFill>
+                  <a:srgbClr val="000000"/>
+                </a:solidFill>
+                <a:latin typeface="Arial" panose="020B0604020202020204" pitchFamily="34" charset="0"/>
+                <a:cs typeface="Arial" panose="020B0604020202020204" pitchFamily="34" charset="0"/>
+              </a:rPr>
+              <a:t>triploid, multi-stressor</a:t>
+            </a:r>
+          </a:p>
+        </p:txBody>
+      </p:sp>
+      <p:pic>
+        <p:nvPicPr>
+          <p:cNvPr id="25" name="Picture 24">
+            <a:extLst>
+              <a:ext uri="{FF2B5EF4-FFF2-40B4-BE49-F238E27FC236}">
+                <a16:creationId xmlns:a16="http://schemas.microsoft.com/office/drawing/2014/main" id="{AC39AFB8-7013-1BD3-6702-F27F237640E1}"/>
+              </a:ext>
+            </a:extLst>
+          </p:cNvPr>
+          <p:cNvPicPr>
+            <a:picLocks noChangeAspect="1"/>
+          </p:cNvPicPr>
+          <p:nvPr/>
+        </p:nvPicPr>
+        <p:blipFill>
+          <a:blip r:embed="rId4"/>
+          <a:stretch>
+            <a:fillRect/>
+          </a:stretch>
+        </p:blipFill>
+        <p:spPr>
+          <a:xfrm>
+            <a:off x="5024781" y="513713"/>
+            <a:ext cx="331527" cy="1175032"/>
+          </a:xfrm>
+          <a:prstGeom prst="rect">
+            <a:avLst/>
+          </a:prstGeom>
+        </p:spPr>
+      </p:pic>
+    </p:spTree>
+    <p:extLst>
+      <p:ext uri="{BB962C8B-B14F-4D97-AF65-F5344CB8AC3E}">
+        <p14:creationId xmlns:p14="http://schemas.microsoft.com/office/powerpoint/2010/main" val="4287152165"/>
+      </p:ext>
+    </p:extLst>
+  </p:cSld>
+  <p:clrMapOvr>
+    <a:masterClrMapping/>
+  </p:clrMapOvr>
+</p:sld>
+</file>
+
+<file path=ppt/slides/slide2.xml><?xml version="1.0" encoding="utf-8"?>
+<p:sld xmlns:a="http://schemas.openxmlformats.org/drawingml/2006/main" xmlns:r="http://schemas.openxmlformats.org/officeDocument/2006/relationships" xmlns:p="http://schemas.openxmlformats.org/presentationml/2006/main">
+  <p:cSld>
+    <p:spTree>
+      <p:nvGrpSpPr>
+        <p:cNvPr id="1" name=""/>
+        <p:cNvGrpSpPr/>
+        <p:nvPr/>
+      </p:nvGrpSpPr>
+      <p:grpSpPr>
+        <a:xfrm>
+          <a:off x="0" y="0"/>
+          <a:ext cx="0" cy="0"/>
+          <a:chOff x="0" y="0"/>
+          <a:chExt cx="0" cy="0"/>
+        </a:xfrm>
+      </p:grpSpPr>
+      <p:sp>
+        <p:nvSpPr>
+          <p:cNvPr id="2" name="Title 1">
+            <a:extLst>
+              <a:ext uri="{FF2B5EF4-FFF2-40B4-BE49-F238E27FC236}">
+                <a16:creationId xmlns:a16="http://schemas.microsoft.com/office/drawing/2014/main" id="{99776038-0469-A789-2F67-F4285A080BF3}"/>
+              </a:ext>
+            </a:extLst>
+          </p:cNvPr>
+          <p:cNvSpPr>
+            <a:spLocks noGrp="1"/>
+          </p:cNvSpPr>
+          <p:nvPr>
+            <p:ph type="title"/>
+          </p:nvPr>
+        </p:nvSpPr>
+        <p:spPr/>
+        <p:txBody>
+          <a:bodyPr/>
+          <a:lstStyle/>
+          <a:p>
+            <a:endParaRPr lang="en-US" dirty="0"/>
+          </a:p>
+        </p:txBody>
+      </p:sp>
+      <p:sp>
+        <p:nvSpPr>
+          <p:cNvPr id="3" name="Content Placeholder 2">
+            <a:extLst>
+              <a:ext uri="{FF2B5EF4-FFF2-40B4-BE49-F238E27FC236}">
+                <a16:creationId xmlns:a16="http://schemas.microsoft.com/office/drawing/2014/main" id="{40FCD36C-3677-A0BD-3A30-D57D8CBBD558}"/>
+              </a:ext>
+            </a:extLst>
+          </p:cNvPr>
+          <p:cNvSpPr>
+            <a:spLocks noGrp="1"/>
+          </p:cNvSpPr>
+          <p:nvPr>
+            <p:ph idx="1"/>
+          </p:nvPr>
+        </p:nvSpPr>
+        <p:spPr/>
+        <p:txBody>
+          <a:bodyPr/>
+          <a:lstStyle/>
+          <a:p>
+            <a:endParaRPr lang="en-US"/>
+          </a:p>
+        </p:txBody>
+      </p:sp>
       <p:cxnSp>
         <p:nvCxnSpPr>
-          <p:cNvPr id="108" name="Straight Connector 107">
+          <p:cNvPr id="4" name="Straight Connector 3">
             <a:extLst>
               <a:ext uri="{FF2B5EF4-FFF2-40B4-BE49-F238E27FC236}">
-                <a16:creationId xmlns:a16="http://schemas.microsoft.com/office/drawing/2014/main" id="{51CD2160-DB1C-4FF2-A873-60954DA4B4F7}"/>
+                <a16:creationId xmlns:a16="http://schemas.microsoft.com/office/drawing/2014/main" id="{39BD8631-6150-E361-550D-8E7DAEA7034D}"/>
               </a:ext>
             </a:extLst>
           </p:cNvPr>
@@ -4009,7 +4025,7 @@
         </p:nvCxnSpPr>
         <p:spPr>
           <a:xfrm>
-            <a:off x="2908419" y="856533"/>
+            <a:off x="5134980" y="698379"/>
             <a:ext cx="432272" cy="0"/>
           </a:xfrm>
           <a:prstGeom prst="line">
@@ -4017,7 +4033,7 @@
           </a:prstGeom>
           <a:ln w="63500">
             <a:solidFill>
-              <a:srgbClr val="4D76F6"/>
+              <a:srgbClr val="009ACD"/>
             </a:solidFill>
           </a:ln>
         </p:spPr>
@@ -4038,10 +4054,10 @@
       </p:cxnSp>
       <p:cxnSp>
         <p:nvCxnSpPr>
-          <p:cNvPr id="109" name="Straight Connector 108">
+          <p:cNvPr id="5" name="Straight Connector 4">
             <a:extLst>
               <a:ext uri="{FF2B5EF4-FFF2-40B4-BE49-F238E27FC236}">
-                <a16:creationId xmlns:a16="http://schemas.microsoft.com/office/drawing/2014/main" id="{110A2C38-9FF3-4F87-B417-8DC38CE6D103}"/>
+                <a16:creationId xmlns:a16="http://schemas.microsoft.com/office/drawing/2014/main" id="{1544AE07-AD4A-2256-DC15-3432F37D8B96}"/>
               </a:ext>
             </a:extLst>
           </p:cNvPr>
@@ -4052,7 +4068,7 @@
         </p:nvCxnSpPr>
         <p:spPr>
           <a:xfrm>
-            <a:off x="2908419" y="1097781"/>
+            <a:off x="5134980" y="939627"/>
             <a:ext cx="432272" cy="0"/>
           </a:xfrm>
           <a:prstGeom prst="line">
@@ -4060,7 +4076,7 @@
           </a:prstGeom>
           <a:ln w="63500">
             <a:solidFill>
-              <a:srgbClr val="3F6EFD"/>
+              <a:srgbClr val="4876FF"/>
             </a:solidFill>
             <a:prstDash val="sysDot"/>
           </a:ln>
@@ -4082,10 +4098,10 @@
       </p:cxnSp>
       <p:cxnSp>
         <p:nvCxnSpPr>
-          <p:cNvPr id="110" name="Straight Connector 109">
+          <p:cNvPr id="6" name="Straight Connector 5">
             <a:extLst>
               <a:ext uri="{FF2B5EF4-FFF2-40B4-BE49-F238E27FC236}">
-                <a16:creationId xmlns:a16="http://schemas.microsoft.com/office/drawing/2014/main" id="{8AA45AD1-A783-49BB-AA70-8D05946C9C48}"/>
+                <a16:creationId xmlns:a16="http://schemas.microsoft.com/office/drawing/2014/main" id="{59667D51-BAE7-9D40-ACCA-79E99B77D6B7}"/>
               </a:ext>
             </a:extLst>
           </p:cNvPr>
@@ -4096,7 +4112,7 @@
         </p:nvCxnSpPr>
         <p:spPr>
           <a:xfrm>
-            <a:off x="2908419" y="1929448"/>
+            <a:off x="5134980" y="1771294"/>
             <a:ext cx="442204" cy="0"/>
           </a:xfrm>
           <a:prstGeom prst="line">
@@ -4104,7 +4120,7 @@
           </a:prstGeom>
           <a:ln w="63500">
             <a:solidFill>
-              <a:srgbClr val="F93E00"/>
+              <a:srgbClr val="FF8C00"/>
             </a:solidFill>
           </a:ln>
         </p:spPr>
@@ -4125,10 +4141,10 @@
       </p:cxnSp>
       <p:cxnSp>
         <p:nvCxnSpPr>
-          <p:cNvPr id="111" name="Straight Connector 110">
+          <p:cNvPr id="7" name="Straight Connector 6">
             <a:extLst>
               <a:ext uri="{FF2B5EF4-FFF2-40B4-BE49-F238E27FC236}">
-                <a16:creationId xmlns:a16="http://schemas.microsoft.com/office/drawing/2014/main" id="{E9FE3B82-A69B-425A-A102-5F5C6B3FB767}"/>
+                <a16:creationId xmlns:a16="http://schemas.microsoft.com/office/drawing/2014/main" id="{860D6252-1258-114E-FDA7-7B8A8FB0027A}"/>
               </a:ext>
             </a:extLst>
           </p:cNvPr>
@@ -4139,7 +4155,7 @@
         </p:nvCxnSpPr>
         <p:spPr>
           <a:xfrm>
-            <a:off x="2913018" y="2170696"/>
+            <a:off x="5139579" y="2012542"/>
             <a:ext cx="437605" cy="0"/>
           </a:xfrm>
           <a:prstGeom prst="line">
@@ -4147,7 +4163,7 @@
           </a:prstGeom>
           <a:ln w="63500">
             <a:solidFill>
-              <a:srgbClr val="EF4001"/>
+              <a:srgbClr val="FF3F00"/>
             </a:solidFill>
             <a:prstDash val="sysDot"/>
           </a:ln>
@@ -4167,294 +4183,12 @@
           </a:fontRef>
         </p:style>
       </p:cxnSp>
-      <p:sp>
-        <p:nvSpPr>
-          <p:cNvPr id="112" name="TextBox 111">
+      <p:grpSp>
+        <p:nvGrpSpPr>
+          <p:cNvPr id="8" name="Group 7">
             <a:extLst>
               <a:ext uri="{FF2B5EF4-FFF2-40B4-BE49-F238E27FC236}">
-                <a16:creationId xmlns:a16="http://schemas.microsoft.com/office/drawing/2014/main" id="{7491B787-5403-4437-9F27-71EACFB3C739}"/>
-              </a:ext>
-            </a:extLst>
-          </p:cNvPr>
-          <p:cNvSpPr txBox="1"/>
-          <p:nvPr/>
-        </p:nvSpPr>
-        <p:spPr>
-          <a:xfrm>
-            <a:off x="3481192" y="727142"/>
-            <a:ext cx="888385" cy="261610"/>
-          </a:xfrm>
-          <a:prstGeom prst="rect">
-            <a:avLst/>
-          </a:prstGeom>
-          <a:solidFill>
-            <a:schemeClr val="bg1"/>
-          </a:solidFill>
-        </p:spPr>
-        <p:txBody>
-          <a:bodyPr wrap="none" rtlCol="0">
-            <a:spAutoFit/>
-          </a:bodyPr>
-          <a:lstStyle/>
-          <a:p>
-            <a:r>
-              <a:rPr lang="en-US" sz="1100" dirty="0">
-                <a:solidFill>
-                  <a:srgbClr val="000000"/>
-                </a:solidFill>
-                <a:latin typeface="Arial" panose="020B0604020202020204" pitchFamily="34" charset="0"/>
-                <a:cs typeface="Arial" panose="020B0604020202020204" pitchFamily="34" charset="0"/>
-              </a:rPr>
-              <a:t>2n - control</a:t>
-            </a:r>
-          </a:p>
-        </p:txBody>
-      </p:sp>
-      <p:sp>
-        <p:nvSpPr>
-          <p:cNvPr id="113" name="TextBox 112">
-            <a:extLst>
-              <a:ext uri="{FF2B5EF4-FFF2-40B4-BE49-F238E27FC236}">
-                <a16:creationId xmlns:a16="http://schemas.microsoft.com/office/drawing/2014/main" id="{0B2BE40E-CBDA-4155-B982-0202FE110846}"/>
-              </a:ext>
-            </a:extLst>
-          </p:cNvPr>
-          <p:cNvSpPr txBox="1"/>
-          <p:nvPr/>
-        </p:nvSpPr>
-        <p:spPr>
-          <a:xfrm>
-            <a:off x="3481192" y="997362"/>
-            <a:ext cx="896399" cy="261610"/>
-          </a:xfrm>
-          <a:prstGeom prst="rect">
-            <a:avLst/>
-          </a:prstGeom>
-          <a:solidFill>
-            <a:schemeClr val="bg1"/>
-          </a:solidFill>
-        </p:spPr>
-        <p:txBody>
-          <a:bodyPr wrap="none" rtlCol="0">
-            <a:spAutoFit/>
-          </a:bodyPr>
-          <a:lstStyle/>
-          <a:p>
-            <a:r>
-              <a:rPr lang="en-US" sz="1100" dirty="0">
-                <a:solidFill>
-                  <a:srgbClr val="000000"/>
-                </a:solidFill>
-                <a:latin typeface="Arial" panose="020B0604020202020204" pitchFamily="34" charset="0"/>
-                <a:cs typeface="Arial" panose="020B0604020202020204" pitchFamily="34" charset="0"/>
-              </a:rPr>
-              <a:t>2n - heated</a:t>
-            </a:r>
-          </a:p>
-        </p:txBody>
-      </p:sp>
-      <p:sp>
-        <p:nvSpPr>
-          <p:cNvPr id="114" name="TextBox 113">
-            <a:extLst>
-              <a:ext uri="{FF2B5EF4-FFF2-40B4-BE49-F238E27FC236}">
-                <a16:creationId xmlns:a16="http://schemas.microsoft.com/office/drawing/2014/main" id="{6563146A-6E0F-4123-B07C-92E49877AF11}"/>
-              </a:ext>
-            </a:extLst>
-          </p:cNvPr>
-          <p:cNvSpPr txBox="1"/>
-          <p:nvPr/>
-        </p:nvSpPr>
-        <p:spPr>
-          <a:xfrm>
-            <a:off x="3481192" y="1267582"/>
-            <a:ext cx="1055097" cy="430887"/>
-          </a:xfrm>
-          <a:prstGeom prst="rect">
-            <a:avLst/>
-          </a:prstGeom>
-          <a:solidFill>
-            <a:schemeClr val="bg1"/>
-          </a:solidFill>
-        </p:spPr>
-        <p:txBody>
-          <a:bodyPr wrap="none" rtlCol="0">
-            <a:spAutoFit/>
-          </a:bodyPr>
-          <a:lstStyle/>
-          <a:p>
-            <a:r>
-              <a:rPr lang="en-US" sz="1100" dirty="0">
-                <a:solidFill>
-                  <a:srgbClr val="000000"/>
-                </a:solidFill>
-                <a:latin typeface="Arial" panose="020B0604020202020204" pitchFamily="34" charset="0"/>
-                <a:cs typeface="Arial" panose="020B0604020202020204" pitchFamily="34" charset="0"/>
-              </a:rPr>
-              <a:t>2n - heated + </a:t>
-            </a:r>
-          </a:p>
-          <a:p>
-            <a:r>
-              <a:rPr lang="en-US" sz="1100" dirty="0">
-                <a:solidFill>
-                  <a:srgbClr val="000000"/>
-                </a:solidFill>
-                <a:latin typeface="Arial" panose="020B0604020202020204" pitchFamily="34" charset="0"/>
-                <a:cs typeface="Arial" panose="020B0604020202020204" pitchFamily="34" charset="0"/>
-              </a:rPr>
-              <a:t>desiccation</a:t>
-            </a:r>
-          </a:p>
-        </p:txBody>
-      </p:sp>
-      <p:sp>
-        <p:nvSpPr>
-          <p:cNvPr id="115" name="TextBox 114">
-            <a:extLst>
-              <a:ext uri="{FF2B5EF4-FFF2-40B4-BE49-F238E27FC236}">
-                <a16:creationId xmlns:a16="http://schemas.microsoft.com/office/drawing/2014/main" id="{CA7DA0E1-8F9E-4F22-9646-CBF07CAFBFA9}"/>
-              </a:ext>
-            </a:extLst>
-          </p:cNvPr>
-          <p:cNvSpPr txBox="1"/>
-          <p:nvPr/>
-        </p:nvSpPr>
-        <p:spPr>
-          <a:xfrm>
-            <a:off x="3481191" y="1793683"/>
-            <a:ext cx="888385" cy="261610"/>
-          </a:xfrm>
-          <a:prstGeom prst="rect">
-            <a:avLst/>
-          </a:prstGeom>
-          <a:solidFill>
-            <a:schemeClr val="bg1"/>
-          </a:solidFill>
-        </p:spPr>
-        <p:txBody>
-          <a:bodyPr wrap="none" rtlCol="0">
-            <a:spAutoFit/>
-          </a:bodyPr>
-          <a:lstStyle/>
-          <a:p>
-            <a:r>
-              <a:rPr lang="en-US" sz="1100" dirty="0">
-                <a:solidFill>
-                  <a:srgbClr val="000000"/>
-                </a:solidFill>
-                <a:latin typeface="Arial" panose="020B0604020202020204" pitchFamily="34" charset="0"/>
-                <a:cs typeface="Arial" panose="020B0604020202020204" pitchFamily="34" charset="0"/>
-              </a:rPr>
-              <a:t>3n - control</a:t>
-            </a:r>
-          </a:p>
-        </p:txBody>
-      </p:sp>
-      <p:sp>
-        <p:nvSpPr>
-          <p:cNvPr id="116" name="TextBox 115">
-            <a:extLst>
-              <a:ext uri="{FF2B5EF4-FFF2-40B4-BE49-F238E27FC236}">
-                <a16:creationId xmlns:a16="http://schemas.microsoft.com/office/drawing/2014/main" id="{21EC1D8F-523E-47BE-A8C3-3419BB0B8780}"/>
-              </a:ext>
-            </a:extLst>
-          </p:cNvPr>
-          <p:cNvSpPr txBox="1"/>
-          <p:nvPr/>
-        </p:nvSpPr>
-        <p:spPr>
-          <a:xfrm>
-            <a:off x="3481192" y="2039891"/>
-            <a:ext cx="896399" cy="261610"/>
-          </a:xfrm>
-          <a:prstGeom prst="rect">
-            <a:avLst/>
-          </a:prstGeom>
-          <a:solidFill>
-            <a:schemeClr val="bg1"/>
-          </a:solidFill>
-        </p:spPr>
-        <p:txBody>
-          <a:bodyPr wrap="none" rtlCol="0">
-            <a:spAutoFit/>
-          </a:bodyPr>
-          <a:lstStyle/>
-          <a:p>
-            <a:r>
-              <a:rPr lang="en-US" sz="1100" dirty="0">
-                <a:solidFill>
-                  <a:srgbClr val="000000"/>
-                </a:solidFill>
-                <a:latin typeface="Arial" panose="020B0604020202020204" pitchFamily="34" charset="0"/>
-                <a:cs typeface="Arial" panose="020B0604020202020204" pitchFamily="34" charset="0"/>
-              </a:rPr>
-              <a:t>3n - heated</a:t>
-            </a:r>
-          </a:p>
-        </p:txBody>
-      </p:sp>
-      <p:sp>
-        <p:nvSpPr>
-          <p:cNvPr id="117" name="TextBox 116">
-            <a:extLst>
-              <a:ext uri="{FF2B5EF4-FFF2-40B4-BE49-F238E27FC236}">
-                <a16:creationId xmlns:a16="http://schemas.microsoft.com/office/drawing/2014/main" id="{A9FF7A74-774D-4073-BD0B-D9C8468D8668}"/>
-              </a:ext>
-            </a:extLst>
-          </p:cNvPr>
-          <p:cNvSpPr txBox="1"/>
-          <p:nvPr/>
-        </p:nvSpPr>
-        <p:spPr>
-          <a:xfrm>
-            <a:off x="3481191" y="2303471"/>
-            <a:ext cx="1093569" cy="430887"/>
-          </a:xfrm>
-          <a:prstGeom prst="rect">
-            <a:avLst/>
-          </a:prstGeom>
-          <a:solidFill>
-            <a:schemeClr val="bg1"/>
-          </a:solidFill>
-        </p:spPr>
-        <p:txBody>
-          <a:bodyPr wrap="none" rtlCol="0">
-            <a:spAutoFit/>
-          </a:bodyPr>
-          <a:lstStyle/>
-          <a:p>
-            <a:r>
-              <a:rPr lang="en-US" sz="1100" dirty="0">
-                <a:solidFill>
-                  <a:srgbClr val="000000"/>
-                </a:solidFill>
-                <a:latin typeface="Arial" panose="020B0604020202020204" pitchFamily="34" charset="0"/>
-                <a:cs typeface="Arial" panose="020B0604020202020204" pitchFamily="34" charset="0"/>
-              </a:rPr>
-              <a:t>3n - heated + </a:t>
-            </a:r>
-          </a:p>
-          <a:p>
-            <a:r>
-              <a:rPr lang="en-US" sz="1100" dirty="0">
-                <a:solidFill>
-                  <a:srgbClr val="000000"/>
-                </a:solidFill>
-                <a:latin typeface="Arial" panose="020B0604020202020204" pitchFamily="34" charset="0"/>
-                <a:cs typeface="Arial" panose="020B0604020202020204" pitchFamily="34" charset="0"/>
-              </a:rPr>
-              <a:t>desiccation</a:t>
-            </a:r>
-          </a:p>
-        </p:txBody>
-      </p:sp>
-      <p:grpSp>
-        <p:nvGrpSpPr>
-          <p:cNvPr id="118" name="Group 117">
-            <a:extLst>
-              <a:ext uri="{FF2B5EF4-FFF2-40B4-BE49-F238E27FC236}">
-                <a16:creationId xmlns:a16="http://schemas.microsoft.com/office/drawing/2014/main" id="{D25FBCF6-4584-4C61-904A-4A535DA228C1}"/>
+                <a16:creationId xmlns:a16="http://schemas.microsoft.com/office/drawing/2014/main" id="{DBA431A3-8C3F-58DA-9443-29CC3E425982}"/>
               </a:ext>
             </a:extLst>
           </p:cNvPr>
@@ -4463,7 +4197,7 @@
         </p:nvGrpSpPr>
         <p:grpSpPr>
           <a:xfrm>
-            <a:off x="2908419" y="1339029"/>
+            <a:off x="5134980" y="1180875"/>
             <a:ext cx="432272" cy="196770"/>
             <a:chOff x="6326533" y="3047751"/>
             <a:chExt cx="432272" cy="196770"/>
@@ -4471,10 +4205,10 @@
         </p:grpSpPr>
         <p:cxnSp>
           <p:nvCxnSpPr>
-            <p:cNvPr id="119" name="Straight Connector 118">
+            <p:cNvPr id="9" name="Straight Connector 8">
               <a:extLst>
                 <a:ext uri="{FF2B5EF4-FFF2-40B4-BE49-F238E27FC236}">
-                  <a16:creationId xmlns:a16="http://schemas.microsoft.com/office/drawing/2014/main" id="{CACDDA07-EFDD-4FDC-833D-094643AFCD93}"/>
+                  <a16:creationId xmlns:a16="http://schemas.microsoft.com/office/drawing/2014/main" id="{EE59ED39-4910-B296-B028-0599D998BC41}"/>
                 </a:ext>
               </a:extLst>
             </p:cNvPr>
@@ -4493,7 +4227,7 @@
             </a:prstGeom>
             <a:ln w="63500">
               <a:solidFill>
-                <a:srgbClr val="3B5ED3"/>
+                <a:srgbClr val="233D89"/>
               </a:solidFill>
               <a:prstDash val="lgDashDot"/>
             </a:ln>
@@ -4515,10 +4249,10 @@
         </p:cxnSp>
         <p:sp>
           <p:nvSpPr>
-            <p:cNvPr id="120" name="Rectangle 119">
+            <p:cNvPr id="10" name="Rectangle 9">
               <a:extLst>
                 <a:ext uri="{FF2B5EF4-FFF2-40B4-BE49-F238E27FC236}">
-                  <a16:creationId xmlns:a16="http://schemas.microsoft.com/office/drawing/2014/main" id="{01666011-F6B0-4200-B9D4-403D7B394112}"/>
+                  <a16:creationId xmlns:a16="http://schemas.microsoft.com/office/drawing/2014/main" id="{865D2C2B-6FA9-5E43-5B50-F31F63AB7750}"/>
                 </a:ext>
               </a:extLst>
             </p:cNvPr>
@@ -4567,10 +4301,10 @@
       </p:grpSp>
       <p:grpSp>
         <p:nvGrpSpPr>
-          <p:cNvPr id="121" name="Group 120">
+          <p:cNvPr id="11" name="Group 10">
             <a:extLst>
               <a:ext uri="{FF2B5EF4-FFF2-40B4-BE49-F238E27FC236}">
-                <a16:creationId xmlns:a16="http://schemas.microsoft.com/office/drawing/2014/main" id="{1FEF118B-A30B-4965-AB72-0825ABD72873}"/>
+                <a16:creationId xmlns:a16="http://schemas.microsoft.com/office/drawing/2014/main" id="{F5D1EE64-E04D-00C4-17CD-28A23B8954BE}"/>
               </a:ext>
             </a:extLst>
           </p:cNvPr>
@@ -4579,7 +4313,7 @@
         </p:nvGrpSpPr>
         <p:grpSpPr>
           <a:xfrm>
-            <a:off x="2908419" y="2411946"/>
+            <a:off x="5134980" y="2253792"/>
             <a:ext cx="432272" cy="196770"/>
             <a:chOff x="6326533" y="4133819"/>
             <a:chExt cx="432272" cy="196770"/>
@@ -4587,10 +4321,10 @@
         </p:grpSpPr>
         <p:cxnSp>
           <p:nvCxnSpPr>
-            <p:cNvPr id="123" name="Straight Connector 122">
+            <p:cNvPr id="12" name="Straight Connector 11">
               <a:extLst>
                 <a:ext uri="{FF2B5EF4-FFF2-40B4-BE49-F238E27FC236}">
-                  <a16:creationId xmlns:a16="http://schemas.microsoft.com/office/drawing/2014/main" id="{189CD08A-D617-4E1E-A609-E98E3FAA4450}"/>
+                  <a16:creationId xmlns:a16="http://schemas.microsoft.com/office/drawing/2014/main" id="{A039C500-0820-BCDF-82B5-E417D1993584}"/>
                 </a:ext>
               </a:extLst>
             </p:cNvPr>
@@ -4609,7 +4343,7 @@
             </a:prstGeom>
             <a:ln w="63500">
               <a:solidFill>
-                <a:srgbClr val="C73C00"/>
+                <a:srgbClr val="CD3700"/>
               </a:solidFill>
               <a:prstDash val="lgDashDot"/>
             </a:ln>
@@ -4631,10 +4365,10 @@
         </p:cxnSp>
         <p:sp>
           <p:nvSpPr>
-            <p:cNvPr id="125" name="Rectangle 124">
+            <p:cNvPr id="13" name="Rectangle 12">
               <a:extLst>
                 <a:ext uri="{FF2B5EF4-FFF2-40B4-BE49-F238E27FC236}">
-                  <a16:creationId xmlns:a16="http://schemas.microsoft.com/office/drawing/2014/main" id="{CEFE82FF-B65D-4A43-95B6-6FF977A57CF7}"/>
+                  <a16:creationId xmlns:a16="http://schemas.microsoft.com/office/drawing/2014/main" id="{2F83A76B-76D8-ABEC-4D54-79E2FF7DA76F}"/>
                 </a:ext>
               </a:extLst>
             </p:cNvPr>
@@ -4684,7 +4418,7 @@
     </p:spTree>
     <p:extLst>
       <p:ext uri="{BB962C8B-B14F-4D97-AF65-F5344CB8AC3E}">
-        <p14:creationId xmlns:p14="http://schemas.microsoft.com/office/powerpoint/2010/main" val="4287152165"/>
+        <p14:creationId xmlns:p14="http://schemas.microsoft.com/office/powerpoint/2010/main" val="2570023055"/>
       </p:ext>
     </p:extLst>
   </p:cSld>
